--- a/Logarithmic curves.pptx
+++ b/Logarithmic curves.pptx
@@ -6,10 +6,20 @@
   </p:sldMasterIdLst>
   <p:sldIdLst>
     <p:sldId id="257" r:id="rId2"/>
-    <p:sldId id="259" r:id="rId3"/>
-    <p:sldId id="260" r:id="rId4"/>
-    <p:sldId id="261" r:id="rId5"/>
-    <p:sldId id="262" r:id="rId6"/>
+    <p:sldId id="263" r:id="rId3"/>
+    <p:sldId id="265" r:id="rId4"/>
+    <p:sldId id="264" r:id="rId5"/>
+    <p:sldId id="266" r:id="rId6"/>
+    <p:sldId id="267" r:id="rId7"/>
+    <p:sldId id="259" r:id="rId8"/>
+    <p:sldId id="260" r:id="rId9"/>
+    <p:sldId id="261" r:id="rId10"/>
+    <p:sldId id="269" r:id="rId11"/>
+    <p:sldId id="268" r:id="rId12"/>
+    <p:sldId id="270" r:id="rId13"/>
+    <p:sldId id="271" r:id="rId14"/>
+    <p:sldId id="272" r:id="rId15"/>
+    <p:sldId id="262" r:id="rId16"/>
   </p:sldIdLst>
   <p:sldSz cx="12192000" cy="6858000"/>
   <p:notesSz cx="6858000" cy="9144000"/>
@@ -108,6 +118,11 @@
       </a:defRPr>
     </a:lvl9pPr>
   </p:defaultTextStyle>
+  <p:extLst>
+    <p:ext uri="{EFAFB233-063F-42B5-8137-9DF3F51BA10A}">
+      <p15:sldGuideLst xmlns:p15="http://schemas.microsoft.com/office/powerpoint/2012/main"/>
+    </p:ext>
+  </p:extLst>
 </p:presentation>
 </file>
 
@@ -299,7 +314,7 @@
           <a:p>
             <a:fld id="{A3E34226-1F99-438D-AB1B-28CEDD8272D1}" type="datetimeFigureOut">
               <a:rPr lang="en-US" smtClean="0"/>
-              <a:t>12/20/2024</a:t>
+              <a:t>12/21/2024</a:t>
             </a:fld>
             <a:endParaRPr lang="en-US"/>
           </a:p>
@@ -637,7 +652,7 @@
           <a:p>
             <a:fld id="{A3E34226-1F99-438D-AB1B-28CEDD8272D1}" type="datetimeFigureOut">
               <a:rPr lang="en-US" smtClean="0"/>
-              <a:t>12/20/2024</a:t>
+              <a:t>12/21/2024</a:t>
             </a:fld>
             <a:endParaRPr lang="en-US"/>
           </a:p>
@@ -1038,7 +1053,7 @@
           <a:p>
             <a:fld id="{A3E34226-1F99-438D-AB1B-28CEDD8272D1}" type="datetimeFigureOut">
               <a:rPr lang="en-US" smtClean="0"/>
-              <a:t>12/20/2024</a:t>
+              <a:t>12/21/2024</a:t>
             </a:fld>
             <a:endParaRPr lang="en-US"/>
           </a:p>
@@ -1374,7 +1389,7 @@
           <a:p>
             <a:fld id="{A3E34226-1F99-438D-AB1B-28CEDD8272D1}" type="datetimeFigureOut">
               <a:rPr lang="en-US" smtClean="0"/>
-              <a:t>12/20/2024</a:t>
+              <a:t>12/21/2024</a:t>
             </a:fld>
             <a:endParaRPr lang="en-US"/>
           </a:p>
@@ -1694,7 +1709,7 @@
           <a:p>
             <a:fld id="{A3E34226-1F99-438D-AB1B-28CEDD8272D1}" type="datetimeFigureOut">
               <a:rPr lang="en-US" smtClean="0"/>
-              <a:t>12/20/2024</a:t>
+              <a:t>12/21/2024</a:t>
             </a:fld>
             <a:endParaRPr lang="en-US"/>
           </a:p>
@@ -2090,7 +2105,7 @@
           <a:p>
             <a:fld id="{A3E34226-1F99-438D-AB1B-28CEDD8272D1}" type="datetimeFigureOut">
               <a:rPr lang="en-US" smtClean="0"/>
-              <a:t>12/20/2024</a:t>
+              <a:t>12/21/2024</a:t>
             </a:fld>
             <a:endParaRPr lang="en-US"/>
           </a:p>
@@ -2347,7 +2362,7 @@
           <a:p>
             <a:fld id="{A3E34226-1F99-438D-AB1B-28CEDD8272D1}" type="datetimeFigureOut">
               <a:rPr lang="en-US" smtClean="0"/>
-              <a:t>12/20/2024</a:t>
+              <a:t>12/21/2024</a:t>
             </a:fld>
             <a:endParaRPr lang="en-US"/>
           </a:p>
@@ -2609,7 +2624,7 @@
           <a:p>
             <a:fld id="{A3E34226-1F99-438D-AB1B-28CEDD8272D1}" type="datetimeFigureOut">
               <a:rPr lang="en-US" smtClean="0"/>
-              <a:t>12/20/2024</a:t>
+              <a:t>12/21/2024</a:t>
             </a:fld>
             <a:endParaRPr lang="en-US"/>
           </a:p>
@@ -2871,7 +2886,7 @@
           <a:p>
             <a:fld id="{A3E34226-1F99-438D-AB1B-28CEDD8272D1}" type="datetimeFigureOut">
               <a:rPr lang="en-US" smtClean="0"/>
-              <a:t>12/20/2024</a:t>
+              <a:t>12/21/2024</a:t>
             </a:fld>
             <a:endParaRPr lang="en-US"/>
           </a:p>
@@ -3200,7 +3215,7 @@
           <a:p>
             <a:fld id="{A3E34226-1F99-438D-AB1B-28CEDD8272D1}" type="datetimeFigureOut">
               <a:rPr lang="en-US" smtClean="0"/>
-              <a:t>12/20/2024</a:t>
+              <a:t>12/21/2024</a:t>
             </a:fld>
             <a:endParaRPr lang="en-US"/>
           </a:p>
@@ -3523,7 +3538,7 @@
           <a:p>
             <a:fld id="{A3E34226-1F99-438D-AB1B-28CEDD8272D1}" type="datetimeFigureOut">
               <a:rPr lang="en-US" smtClean="0"/>
-              <a:t>12/20/2024</a:t>
+              <a:t>12/21/2024</a:t>
             </a:fld>
             <a:endParaRPr lang="en-US"/>
           </a:p>
@@ -3980,7 +3995,7 @@
           <a:p>
             <a:fld id="{A3E34226-1F99-438D-AB1B-28CEDD8272D1}" type="datetimeFigureOut">
               <a:rPr lang="en-US" smtClean="0"/>
-              <a:t>12/20/2024</a:t>
+              <a:t>12/21/2024</a:t>
             </a:fld>
             <a:endParaRPr lang="en-US"/>
           </a:p>
@@ -4185,7 +4200,7 @@
           <a:p>
             <a:fld id="{A3E34226-1F99-438D-AB1B-28CEDD8272D1}" type="datetimeFigureOut">
               <a:rPr lang="en-US" smtClean="0"/>
-              <a:t>12/20/2024</a:t>
+              <a:t>12/21/2024</a:t>
             </a:fld>
             <a:endParaRPr lang="en-US"/>
           </a:p>
@@ -4362,7 +4377,7 @@
           <a:p>
             <a:fld id="{A3E34226-1F99-438D-AB1B-28CEDD8272D1}" type="datetimeFigureOut">
               <a:rPr lang="en-US" smtClean="0"/>
-              <a:t>12/20/2024</a:t>
+              <a:t>12/21/2024</a:t>
             </a:fld>
             <a:endParaRPr lang="en-US"/>
           </a:p>
@@ -4695,7 +4710,7 @@
           <a:p>
             <a:fld id="{A3E34226-1F99-438D-AB1B-28CEDD8272D1}" type="datetimeFigureOut">
               <a:rPr lang="en-US" smtClean="0"/>
-              <a:t>12/20/2024</a:t>
+              <a:t>12/21/2024</a:t>
             </a:fld>
             <a:endParaRPr lang="en-US"/>
           </a:p>
@@ -5040,7 +5055,7 @@
           <a:p>
             <a:fld id="{A3E34226-1F99-438D-AB1B-28CEDD8272D1}" type="datetimeFigureOut">
               <a:rPr lang="en-US" smtClean="0"/>
-              <a:t>12/20/2024</a:t>
+              <a:t>12/21/2024</a:t>
             </a:fld>
             <a:endParaRPr lang="en-US"/>
           </a:p>
@@ -7175,7 +7190,7 @@
           <a:p>
             <a:fld id="{A3E34226-1F99-438D-AB1B-28CEDD8272D1}" type="datetimeFigureOut">
               <a:rPr lang="en-US" smtClean="0"/>
-              <a:t>12/20/2024</a:t>
+              <a:t>12/21/2024</a:t>
             </a:fld>
             <a:endParaRPr lang="en-US"/>
           </a:p>
@@ -7741,6 +7756,953 @@
 </p:sld>
 </file>
 
+<file path=ppt/slides/slide10.xml><?xml version="1.0" encoding="utf-8"?>
+<p:sld xmlns:a="http://schemas.openxmlformats.org/drawingml/2006/main" xmlns:r="http://schemas.openxmlformats.org/officeDocument/2006/relationships" xmlns:p="http://schemas.openxmlformats.org/presentationml/2006/main">
+  <p:cSld>
+    <p:spTree>
+      <p:nvGrpSpPr>
+        <p:cNvPr id="1" name=""/>
+        <p:cNvGrpSpPr/>
+        <p:nvPr/>
+      </p:nvGrpSpPr>
+      <p:grpSpPr>
+        <a:xfrm>
+          <a:off x="0" y="0"/>
+          <a:ext cx="0" cy="0"/>
+          <a:chOff x="0" y="0"/>
+          <a:chExt cx="0" cy="0"/>
+        </a:xfrm>
+      </p:grpSpPr>
+      <p:sp>
+        <p:nvSpPr>
+          <p:cNvPr id="2" name="Title 1">
+            <a:extLst>
+              <a:ext uri="{FF2B5EF4-FFF2-40B4-BE49-F238E27FC236}">
+                <a16:creationId xmlns:a16="http://schemas.microsoft.com/office/drawing/2014/main" id="{36FD3E2D-C055-072A-80DE-243FB1D0316C}"/>
+              </a:ext>
+            </a:extLst>
+          </p:cNvPr>
+          <p:cNvSpPr>
+            <a:spLocks noGrp="1"/>
+          </p:cNvSpPr>
+          <p:nvPr>
+            <p:ph type="title"/>
+          </p:nvPr>
+        </p:nvSpPr>
+        <p:spPr/>
+        <p:txBody>
+          <a:bodyPr/>
+          <a:lstStyle/>
+          <a:p>
+            <a:pPr algn="ctr"/>
+            <a:r>
+              <a:rPr lang="en-US" b="1" dirty="0"/>
+              <a:t>Logarithmic curve: Real-world applications</a:t>
+            </a:r>
+            <a:br>
+              <a:rPr lang="en-US" dirty="0"/>
+            </a:br>
+            <a:endParaRPr lang="en-US" dirty="0"/>
+          </a:p>
+        </p:txBody>
+      </p:sp>
+      <p:sp>
+        <p:nvSpPr>
+          <p:cNvPr id="3" name="Content Placeholder 2">
+            <a:extLst>
+              <a:ext uri="{FF2B5EF4-FFF2-40B4-BE49-F238E27FC236}">
+                <a16:creationId xmlns:a16="http://schemas.microsoft.com/office/drawing/2014/main" id="{B777C440-FEEC-055A-6CED-396155C7E3B6}"/>
+              </a:ext>
+            </a:extLst>
+          </p:cNvPr>
+          <p:cNvSpPr>
+            <a:spLocks noGrp="1"/>
+          </p:cNvSpPr>
+          <p:nvPr>
+            <p:ph idx="1"/>
+          </p:nvPr>
+        </p:nvSpPr>
+        <p:spPr/>
+        <p:txBody>
+          <a:bodyPr/>
+          <a:lstStyle/>
+          <a:p>
+            <a:r>
+              <a:rPr lang="en-US" sz="2400" b="1" dirty="0">
+                <a:solidFill>
+                  <a:srgbClr val="0070C0"/>
+                </a:solidFill>
+              </a:rPr>
+              <a:t>Learning a new skill:</a:t>
+            </a:r>
+          </a:p>
+          <a:p>
+            <a:pPr>
+              <a:buClr>
+                <a:srgbClr val="FF0000"/>
+              </a:buClr>
+              <a:buFont typeface="Wingdings" panose="05000000000000000000" pitchFamily="2" charset="2"/>
+              <a:buChar char="Ø"/>
+            </a:pPr>
+            <a:r>
+              <a:rPr lang="en-US" dirty="0"/>
+              <a:t>The Steep Start: In the beginning, you'll improve quickly.</a:t>
+            </a:r>
+          </a:p>
+          <a:p>
+            <a:pPr>
+              <a:buClr>
+                <a:srgbClr val="FF0000"/>
+              </a:buClr>
+              <a:buFont typeface="Wingdings" panose="05000000000000000000" pitchFamily="2" charset="2"/>
+              <a:buChar char="Ø"/>
+            </a:pPr>
+            <a:r>
+              <a:rPr lang="en-US" dirty="0"/>
+              <a:t>The Slow and Steady Climb: As you get better, it gets harder to improve. You might need to practice for a long time to get a little faster or learn a new trick. </a:t>
+            </a:r>
+          </a:p>
+          <a:p>
+            <a:r>
+              <a:rPr lang="en-US" sz="2400" b="1" dirty="0">
+                <a:solidFill>
+                  <a:srgbClr val="0070C0"/>
+                </a:solidFill>
+              </a:rPr>
+              <a:t>Habits (</a:t>
+            </a:r>
+            <a:r>
+              <a:rPr lang="en-US" sz="2400" b="1" dirty="0" err="1">
+                <a:solidFill>
+                  <a:srgbClr val="0070C0"/>
+                </a:solidFill>
+              </a:rPr>
+              <a:t>Eg</a:t>
+            </a:r>
+            <a:r>
+              <a:rPr lang="en-US" sz="2400" b="1" dirty="0">
+                <a:solidFill>
+                  <a:srgbClr val="0070C0"/>
+                </a:solidFill>
+              </a:rPr>
+              <a:t>: Exercising)</a:t>
+            </a:r>
+          </a:p>
+          <a:p>
+            <a:pPr>
+              <a:buClr>
+                <a:srgbClr val="FF0000"/>
+              </a:buClr>
+              <a:buFont typeface="Wingdings" panose="05000000000000000000" pitchFamily="2" charset="2"/>
+              <a:buChar char="Ø"/>
+            </a:pPr>
+            <a:r>
+              <a:rPr lang="en-US" dirty="0"/>
+              <a:t>Initial Motivation: Initially you might feel highly motivated and experience significant progress.</a:t>
+            </a:r>
+          </a:p>
+          <a:p>
+            <a:pPr>
+              <a:buClr>
+                <a:srgbClr val="FF0000"/>
+              </a:buClr>
+              <a:buFont typeface="Wingdings" panose="05000000000000000000" pitchFamily="2" charset="2"/>
+              <a:buChar char="Ø"/>
+            </a:pPr>
+            <a:r>
+              <a:rPr lang="en-US" dirty="0"/>
+              <a:t>Maintaining Consistency: As time goes on, maintaining the habit can become more challenging. </a:t>
+            </a:r>
+            <a:endParaRPr lang="en-US" b="1" dirty="0"/>
+          </a:p>
+        </p:txBody>
+      </p:sp>
+    </p:spTree>
+    <p:extLst>
+      <p:ext uri="{BB962C8B-B14F-4D97-AF65-F5344CB8AC3E}">
+        <p14:creationId xmlns:p14="http://schemas.microsoft.com/office/powerpoint/2010/main" val="1786404310"/>
+      </p:ext>
+    </p:extLst>
+  </p:cSld>
+  <p:clrMapOvr>
+    <a:masterClrMapping/>
+  </p:clrMapOvr>
+</p:sld>
+</file>
+
+<file path=ppt/slides/slide11.xml><?xml version="1.0" encoding="utf-8"?>
+<p:sld xmlns:a="http://schemas.openxmlformats.org/drawingml/2006/main" xmlns:r="http://schemas.openxmlformats.org/officeDocument/2006/relationships" xmlns:p="http://schemas.openxmlformats.org/presentationml/2006/main">
+  <p:cSld>
+    <p:spTree>
+      <p:nvGrpSpPr>
+        <p:cNvPr id="1" name=""/>
+        <p:cNvGrpSpPr/>
+        <p:nvPr/>
+      </p:nvGrpSpPr>
+      <p:grpSpPr>
+        <a:xfrm>
+          <a:off x="0" y="0"/>
+          <a:ext cx="0" cy="0"/>
+          <a:chOff x="0" y="0"/>
+          <a:chExt cx="0" cy="0"/>
+        </a:xfrm>
+      </p:grpSpPr>
+      <p:sp>
+        <p:nvSpPr>
+          <p:cNvPr id="2" name="Title 1">
+            <a:extLst>
+              <a:ext uri="{FF2B5EF4-FFF2-40B4-BE49-F238E27FC236}">
+                <a16:creationId xmlns:a16="http://schemas.microsoft.com/office/drawing/2014/main" id="{12851F81-73C5-DB20-2369-2F3886CE3DE8}"/>
+              </a:ext>
+            </a:extLst>
+          </p:cNvPr>
+          <p:cNvSpPr>
+            <a:spLocks noGrp="1"/>
+          </p:cNvSpPr>
+          <p:nvPr>
+            <p:ph type="title"/>
+          </p:nvPr>
+        </p:nvSpPr>
+        <p:spPr>
+          <a:xfrm>
+            <a:off x="2178379" y="519938"/>
+            <a:ext cx="8911687" cy="1280890"/>
+          </a:xfrm>
+        </p:spPr>
+        <p:txBody>
+          <a:bodyPr/>
+          <a:lstStyle/>
+          <a:p>
+            <a:pPr algn="ctr"/>
+            <a:r>
+              <a:rPr lang="en-US" dirty="0"/>
+              <a:t>Logistic function</a:t>
+            </a:r>
+          </a:p>
+        </p:txBody>
+      </p:sp>
+      <p:pic>
+        <p:nvPicPr>
+          <p:cNvPr id="5" name="Content Placeholder 4">
+            <a:extLst>
+              <a:ext uri="{FF2B5EF4-FFF2-40B4-BE49-F238E27FC236}">
+                <a16:creationId xmlns:a16="http://schemas.microsoft.com/office/drawing/2014/main" id="{B2D66397-A7EF-1443-AA64-912B62B64A34}"/>
+              </a:ext>
+            </a:extLst>
+          </p:cNvPr>
+          <p:cNvPicPr>
+            <a:picLocks noGrp="1" noChangeAspect="1"/>
+          </p:cNvPicPr>
+          <p:nvPr>
+            <p:ph idx="1"/>
+          </p:nvPr>
+        </p:nvPicPr>
+        <p:blipFill>
+          <a:blip r:embed="rId2">
+            <a:extLst>
+              <a:ext uri="{28A0092B-C50C-407E-A947-70E740481C1C}">
+                <a14:useLocalDpi xmlns:a14="http://schemas.microsoft.com/office/drawing/2010/main" val="0"/>
+              </a:ext>
+            </a:extLst>
+          </a:blip>
+          <a:stretch>
+            <a:fillRect/>
+          </a:stretch>
+        </p:blipFill>
+        <p:spPr>
+          <a:xfrm>
+            <a:off x="6096000" y="1160383"/>
+            <a:ext cx="6242611" cy="4166944"/>
+          </a:xfrm>
+        </p:spPr>
+      </p:pic>
+      <p:sp>
+        <p:nvSpPr>
+          <p:cNvPr id="6" name="TextBox 5">
+            <a:extLst>
+              <a:ext uri="{FF2B5EF4-FFF2-40B4-BE49-F238E27FC236}">
+                <a16:creationId xmlns:a16="http://schemas.microsoft.com/office/drawing/2014/main" id="{FB205757-4695-8E71-D372-89C360BB8998}"/>
+              </a:ext>
+            </a:extLst>
+          </p:cNvPr>
+          <p:cNvSpPr txBox="1"/>
+          <p:nvPr/>
+        </p:nvSpPr>
+        <p:spPr>
+          <a:xfrm>
+            <a:off x="1415972" y="1530673"/>
+            <a:ext cx="4869082" cy="3046988"/>
+          </a:xfrm>
+          <a:prstGeom prst="rect">
+            <a:avLst/>
+          </a:prstGeom>
+          <a:noFill/>
+        </p:spPr>
+        <p:txBody>
+          <a:bodyPr wrap="square" rtlCol="0">
+            <a:spAutoFit/>
+          </a:bodyPr>
+          <a:lstStyle/>
+          <a:p>
+            <a:pPr marL="285750" indent="-285750">
+              <a:buClr>
+                <a:srgbClr val="FF0000"/>
+              </a:buClr>
+              <a:buFont typeface="Wingdings" panose="05000000000000000000" pitchFamily="2" charset="2"/>
+              <a:buChar char="Ø"/>
+            </a:pPr>
+            <a:r>
+              <a:rPr lang="en-US" sz="2000" b="0" i="0" dirty="0">
+                <a:solidFill>
+                  <a:srgbClr val="1F1F1F"/>
+                </a:solidFill>
+                <a:effectLst/>
+                <a:latin typeface="Corbel (Body)"/>
+              </a:rPr>
+              <a:t>T</a:t>
+            </a:r>
+            <a:r>
+              <a:rPr lang="en-US" sz="2400" b="0" i="0" dirty="0">
+                <a:solidFill>
+                  <a:srgbClr val="1F1F1F"/>
+                </a:solidFill>
+                <a:effectLst/>
+                <a:latin typeface="Corbel (Body)"/>
+              </a:rPr>
+              <a:t>he value of logistic function ranges </a:t>
+            </a:r>
+            <a:r>
+              <a:rPr lang="en-US" sz="2400" b="0" i="0" dirty="0">
+                <a:solidFill>
+                  <a:srgbClr val="040C28"/>
+                </a:solidFill>
+                <a:effectLst/>
+                <a:latin typeface="Corbel (Body)"/>
+              </a:rPr>
+              <a:t>between 0 and 1</a:t>
+            </a:r>
+            <a:r>
+              <a:rPr lang="en-US" sz="2400" b="0" i="0" dirty="0">
+                <a:solidFill>
+                  <a:srgbClr val="1F1F1F"/>
+                </a:solidFill>
+                <a:effectLst/>
+                <a:latin typeface="Corbel (Body)"/>
+              </a:rPr>
+              <a:t>. </a:t>
+            </a:r>
+          </a:p>
+          <a:p>
+            <a:pPr marL="285750" indent="-285750">
+              <a:buClr>
+                <a:srgbClr val="FF0000"/>
+              </a:buClr>
+              <a:buFont typeface="Wingdings" panose="05000000000000000000" pitchFamily="2" charset="2"/>
+              <a:buChar char="Ø"/>
+            </a:pPr>
+            <a:r>
+              <a:rPr lang="en-US" sz="2400" b="0" i="0" dirty="0">
+                <a:solidFill>
+                  <a:srgbClr val="040C28"/>
+                </a:solidFill>
+                <a:effectLst/>
+                <a:latin typeface="Corbel (Body)"/>
+              </a:rPr>
+              <a:t> It never reaches a maximum</a:t>
+            </a:r>
+            <a:r>
+              <a:rPr lang="en-US" sz="2400" dirty="0">
+                <a:solidFill>
+                  <a:srgbClr val="1F1F1F"/>
+                </a:solidFill>
+                <a:latin typeface="Corbel (Body)"/>
+              </a:rPr>
+              <a:t>.</a:t>
+            </a:r>
+          </a:p>
+          <a:p>
+            <a:pPr marL="285750" indent="-285750">
+              <a:buClr>
+                <a:srgbClr val="FF0000"/>
+              </a:buClr>
+              <a:buFont typeface="Wingdings" panose="05000000000000000000" pitchFamily="2" charset="2"/>
+              <a:buChar char="Ø"/>
+            </a:pPr>
+            <a:r>
+              <a:rPr lang="en-US" sz="2400" b="0" i="0" dirty="0">
+                <a:solidFill>
+                  <a:srgbClr val="1F1F1F"/>
+                </a:solidFill>
+                <a:effectLst/>
+                <a:latin typeface="Corbel (Body)"/>
+              </a:rPr>
+              <a:t>The logistic is nearly 0 when x is large negative, and is nearly 1 when x is large positive. In our applications, x is a linear combinations of predictors.</a:t>
+            </a:r>
+          </a:p>
+        </p:txBody>
+      </p:sp>
+    </p:spTree>
+    <p:extLst>
+      <p:ext uri="{BB962C8B-B14F-4D97-AF65-F5344CB8AC3E}">
+        <p14:creationId xmlns:p14="http://schemas.microsoft.com/office/powerpoint/2010/main" val="3660481478"/>
+      </p:ext>
+    </p:extLst>
+  </p:cSld>
+  <p:clrMapOvr>
+    <a:masterClrMapping/>
+  </p:clrMapOvr>
+</p:sld>
+</file>
+
+<file path=ppt/slides/slide12.xml><?xml version="1.0" encoding="utf-8"?>
+<p:sld xmlns:a="http://schemas.openxmlformats.org/drawingml/2006/main" xmlns:r="http://schemas.openxmlformats.org/officeDocument/2006/relationships" xmlns:p="http://schemas.openxmlformats.org/presentationml/2006/main">
+  <p:cSld>
+    <p:spTree>
+      <p:nvGrpSpPr>
+        <p:cNvPr id="1" name=""/>
+        <p:cNvGrpSpPr/>
+        <p:nvPr/>
+      </p:nvGrpSpPr>
+      <p:grpSpPr>
+        <a:xfrm>
+          <a:off x="0" y="0"/>
+          <a:ext cx="0" cy="0"/>
+          <a:chOff x="0" y="0"/>
+          <a:chExt cx="0" cy="0"/>
+        </a:xfrm>
+      </p:grpSpPr>
+      <p:sp>
+        <p:nvSpPr>
+          <p:cNvPr id="2" name="Title 1">
+            <a:extLst>
+              <a:ext uri="{FF2B5EF4-FFF2-40B4-BE49-F238E27FC236}">
+                <a16:creationId xmlns:a16="http://schemas.microsoft.com/office/drawing/2014/main" id="{00EEB3DE-4D78-9284-F119-F93B74D40F8A}"/>
+              </a:ext>
+            </a:extLst>
+          </p:cNvPr>
+          <p:cNvSpPr>
+            <a:spLocks noGrp="1"/>
+          </p:cNvSpPr>
+          <p:nvPr>
+            <p:ph type="title"/>
+          </p:nvPr>
+        </p:nvSpPr>
+        <p:spPr>
+          <a:xfrm>
+            <a:off x="2591069" y="635685"/>
+            <a:ext cx="8911687" cy="1280890"/>
+          </a:xfrm>
+        </p:spPr>
+        <p:txBody>
+          <a:bodyPr/>
+          <a:lstStyle/>
+          <a:p>
+            <a:r>
+              <a:rPr lang="en-US" dirty="0"/>
+              <a:t>Logarithmic function Vs Logistic function</a:t>
+            </a:r>
+          </a:p>
+        </p:txBody>
+      </p:sp>
+      <p:pic>
+        <p:nvPicPr>
+          <p:cNvPr id="5" name="Content Placeholder 4">
+            <a:extLst>
+              <a:ext uri="{FF2B5EF4-FFF2-40B4-BE49-F238E27FC236}">
+                <a16:creationId xmlns:a16="http://schemas.microsoft.com/office/drawing/2014/main" id="{E9C9CADC-6ABF-9B88-7551-52FA4CF3CC61}"/>
+              </a:ext>
+            </a:extLst>
+          </p:cNvPr>
+          <p:cNvPicPr>
+            <a:picLocks noGrp="1" noChangeAspect="1"/>
+          </p:cNvPicPr>
+          <p:nvPr>
+            <p:ph idx="1"/>
+          </p:nvPr>
+        </p:nvPicPr>
+        <p:blipFill>
+          <a:blip r:embed="rId2"/>
+          <a:stretch>
+            <a:fillRect/>
+          </a:stretch>
+        </p:blipFill>
+        <p:spPr>
+          <a:xfrm>
+            <a:off x="3285688" y="1595518"/>
+            <a:ext cx="6832133" cy="3666964"/>
+          </a:xfrm>
+        </p:spPr>
+      </p:pic>
+      <p:sp>
+        <p:nvSpPr>
+          <p:cNvPr id="6" name="TextBox 5">
+            <a:extLst>
+              <a:ext uri="{FF2B5EF4-FFF2-40B4-BE49-F238E27FC236}">
+                <a16:creationId xmlns:a16="http://schemas.microsoft.com/office/drawing/2014/main" id="{30E4C90D-A788-592F-21F0-91F75D1ADD29}"/>
+              </a:ext>
+            </a:extLst>
+          </p:cNvPr>
+          <p:cNvSpPr txBox="1"/>
+          <p:nvPr/>
+        </p:nvSpPr>
+        <p:spPr>
+          <a:xfrm>
+            <a:off x="1331090" y="5440101"/>
+            <a:ext cx="10486662" cy="1107996"/>
+          </a:xfrm>
+          <a:prstGeom prst="rect">
+            <a:avLst/>
+          </a:prstGeom>
+          <a:noFill/>
+        </p:spPr>
+        <p:txBody>
+          <a:bodyPr wrap="square" rtlCol="0">
+            <a:spAutoFit/>
+          </a:bodyPr>
+          <a:lstStyle/>
+          <a:p>
+            <a:pPr marL="342900" indent="-342900">
+              <a:buClr>
+                <a:srgbClr val="FF0000"/>
+              </a:buClr>
+              <a:buFont typeface="Wingdings" panose="05000000000000000000" pitchFamily="2" charset="2"/>
+              <a:buChar char="Ø"/>
+            </a:pPr>
+            <a:r>
+              <a:rPr lang="en-US" sz="2200" dirty="0"/>
+              <a:t>The logarithmic curve exhibits a gradual increase that slows down as x increases.</a:t>
+            </a:r>
+          </a:p>
+          <a:p>
+            <a:pPr marL="342900" indent="-342900">
+              <a:buClr>
+                <a:srgbClr val="FF0000"/>
+              </a:buClr>
+              <a:buFont typeface="Wingdings" panose="05000000000000000000" pitchFamily="2" charset="2"/>
+              <a:buChar char="Ø"/>
+            </a:pPr>
+            <a:r>
+              <a:rPr lang="en-US" sz="2200" dirty="0"/>
+              <a:t>Logistic function displays an S-shaped curve with an initial slow increase, followed by a rapid rise, and eventually levels off.</a:t>
+            </a:r>
+          </a:p>
+        </p:txBody>
+      </p:sp>
+    </p:spTree>
+    <p:extLst>
+      <p:ext uri="{BB962C8B-B14F-4D97-AF65-F5344CB8AC3E}">
+        <p14:creationId xmlns:p14="http://schemas.microsoft.com/office/powerpoint/2010/main" val="3964438426"/>
+      </p:ext>
+    </p:extLst>
+  </p:cSld>
+  <p:clrMapOvr>
+    <a:masterClrMapping/>
+  </p:clrMapOvr>
+</p:sld>
+</file>
+
+<file path=ppt/slides/slide13.xml><?xml version="1.0" encoding="utf-8"?>
+<p:sld xmlns:a="http://schemas.openxmlformats.org/drawingml/2006/main" xmlns:r="http://schemas.openxmlformats.org/officeDocument/2006/relationships" xmlns:p="http://schemas.openxmlformats.org/presentationml/2006/main">
+  <p:cSld>
+    <p:spTree>
+      <p:nvGrpSpPr>
+        <p:cNvPr id="1" name=""/>
+        <p:cNvGrpSpPr/>
+        <p:nvPr/>
+      </p:nvGrpSpPr>
+      <p:grpSpPr>
+        <a:xfrm>
+          <a:off x="0" y="0"/>
+          <a:ext cx="0" cy="0"/>
+          <a:chOff x="0" y="0"/>
+          <a:chExt cx="0" cy="0"/>
+        </a:xfrm>
+      </p:grpSpPr>
+      <p:sp>
+        <p:nvSpPr>
+          <p:cNvPr id="2" name="Title 1">
+            <a:extLst>
+              <a:ext uri="{FF2B5EF4-FFF2-40B4-BE49-F238E27FC236}">
+                <a16:creationId xmlns:a16="http://schemas.microsoft.com/office/drawing/2014/main" id="{6CBC6F64-B1BB-5B16-ABB3-61E317B0B4C5}"/>
+              </a:ext>
+            </a:extLst>
+          </p:cNvPr>
+          <p:cNvSpPr>
+            <a:spLocks noGrp="1"/>
+          </p:cNvSpPr>
+          <p:nvPr>
+            <p:ph type="title"/>
+          </p:nvPr>
+        </p:nvSpPr>
+        <p:spPr/>
+        <p:txBody>
+          <a:bodyPr/>
+          <a:lstStyle/>
+          <a:p>
+            <a:r>
+              <a:rPr lang="en-US" dirty="0"/>
+              <a:t>Logarithmic function Vs Logistic function</a:t>
+            </a:r>
+          </a:p>
+        </p:txBody>
+      </p:sp>
+      <p:sp>
+        <p:nvSpPr>
+          <p:cNvPr id="3" name="Content Placeholder 2">
+            <a:extLst>
+              <a:ext uri="{FF2B5EF4-FFF2-40B4-BE49-F238E27FC236}">
+                <a16:creationId xmlns:a16="http://schemas.microsoft.com/office/drawing/2014/main" id="{6F44F4CF-FEAC-BDE6-891C-8F5A4E854AEC}"/>
+              </a:ext>
+            </a:extLst>
+          </p:cNvPr>
+          <p:cNvSpPr>
+            <a:spLocks noGrp="1"/>
+          </p:cNvSpPr>
+          <p:nvPr>
+            <p:ph idx="1"/>
+          </p:nvPr>
+        </p:nvSpPr>
+        <p:spPr/>
+        <p:txBody>
+          <a:bodyPr/>
+          <a:lstStyle/>
+          <a:p>
+            <a:r>
+              <a:rPr lang="en-US" sz="2400" b="1" dirty="0">
+                <a:solidFill>
+                  <a:srgbClr val="0070C0"/>
+                </a:solidFill>
+              </a:rPr>
+              <a:t>Key Differences:</a:t>
+            </a:r>
+          </a:p>
+          <a:p>
+            <a:pPr>
+              <a:buClr>
+                <a:srgbClr val="FF0000"/>
+              </a:buClr>
+              <a:buFont typeface="Wingdings" panose="05000000000000000000" pitchFamily="2" charset="2"/>
+              <a:buChar char="Ø"/>
+            </a:pPr>
+            <a:r>
+              <a:rPr kumimoji="0" lang="en-US" altLang="en-US" sz="2200" b="1" i="0" u="none" strike="noStrike" cap="none" normalizeH="0" baseline="0" dirty="0">
+                <a:ln>
+                  <a:noFill/>
+                </a:ln>
+                <a:solidFill>
+                  <a:schemeClr val="tx1"/>
+                </a:solidFill>
+                <a:effectLst/>
+                <a:latin typeface="Corbel(Body)"/>
+              </a:rPr>
+              <a:t>Shape: </a:t>
+            </a:r>
+            <a:r>
+              <a:rPr kumimoji="0" lang="en-US" altLang="en-US" sz="2200" b="0" i="0" u="none" strike="noStrike" cap="none" normalizeH="0" baseline="0" dirty="0">
+                <a:ln>
+                  <a:noFill/>
+                </a:ln>
+                <a:solidFill>
+                  <a:schemeClr val="tx1"/>
+                </a:solidFill>
+                <a:effectLst/>
+                <a:latin typeface="Corbel(Body)"/>
+              </a:rPr>
+              <a:t>A logarithmic curve continues to increase slowly, while a logistic curve eventually levels off. </a:t>
+            </a:r>
+          </a:p>
+          <a:p>
+            <a:pPr>
+              <a:buClr>
+                <a:srgbClr val="FF0000"/>
+              </a:buClr>
+              <a:buFont typeface="Wingdings" panose="05000000000000000000" pitchFamily="2" charset="2"/>
+              <a:buChar char="Ø"/>
+            </a:pPr>
+            <a:r>
+              <a:rPr kumimoji="0" lang="en-US" altLang="en-US" sz="2200" b="1" i="0" u="none" strike="noStrike" cap="none" normalizeH="0" baseline="0" dirty="0">
+                <a:ln>
+                  <a:noFill/>
+                </a:ln>
+                <a:solidFill>
+                  <a:schemeClr val="tx1"/>
+                </a:solidFill>
+                <a:effectLst/>
+                <a:latin typeface="Corbel(Body)"/>
+              </a:rPr>
+              <a:t>Growth Rate: </a:t>
+            </a:r>
+            <a:r>
+              <a:rPr kumimoji="0" lang="en-US" altLang="en-US" sz="2200" b="0" i="0" u="none" strike="noStrike" cap="none" normalizeH="0" baseline="0" dirty="0">
+                <a:ln>
+                  <a:noFill/>
+                </a:ln>
+                <a:solidFill>
+                  <a:schemeClr val="tx1"/>
+                </a:solidFill>
+                <a:effectLst/>
+                <a:latin typeface="Corbel(Body)"/>
+              </a:rPr>
+              <a:t>In a logarithmic curve, the growth rate continuously decreases. In a logistic curve, the growth rate increases initially, reaches a maximum, and then decreases. </a:t>
+            </a:r>
+          </a:p>
+          <a:p>
+            <a:pPr>
+              <a:buClr>
+                <a:srgbClr val="FF0000"/>
+              </a:buClr>
+              <a:buFont typeface="Wingdings" panose="05000000000000000000" pitchFamily="2" charset="2"/>
+              <a:buChar char="Ø"/>
+            </a:pPr>
+            <a:r>
+              <a:rPr kumimoji="0" lang="en-US" altLang="en-US" sz="2200" b="1" i="0" u="none" strike="noStrike" cap="none" normalizeH="0" baseline="0" dirty="0">
+                <a:ln>
+                  <a:noFill/>
+                </a:ln>
+                <a:solidFill>
+                  <a:schemeClr val="tx1"/>
+                </a:solidFill>
+                <a:effectLst/>
+                <a:latin typeface="Corbel(Body)"/>
+              </a:rPr>
+              <a:t>Limits: </a:t>
+            </a:r>
+            <a:r>
+              <a:rPr kumimoji="0" lang="en-US" altLang="en-US" sz="2200" b="0" i="0" u="none" strike="noStrike" cap="none" normalizeH="0" baseline="0" dirty="0">
+                <a:ln>
+                  <a:noFill/>
+                </a:ln>
+                <a:solidFill>
+                  <a:schemeClr val="tx1"/>
+                </a:solidFill>
+                <a:effectLst/>
+                <a:latin typeface="Corbel(Body)"/>
+              </a:rPr>
+              <a:t>A logarithmic curve has no upper limit, while a logistic curve has a defined upper limit. </a:t>
+            </a:r>
+          </a:p>
+          <a:p>
+            <a:pPr marL="0" indent="0">
+              <a:buNone/>
+            </a:pPr>
+            <a:endParaRPr lang="en-US" dirty="0"/>
+          </a:p>
+        </p:txBody>
+      </p:sp>
+    </p:spTree>
+    <p:extLst>
+      <p:ext uri="{BB962C8B-B14F-4D97-AF65-F5344CB8AC3E}">
+        <p14:creationId xmlns:p14="http://schemas.microsoft.com/office/powerpoint/2010/main" val="3898369242"/>
+      </p:ext>
+    </p:extLst>
+  </p:cSld>
+  <p:clrMapOvr>
+    <a:masterClrMapping/>
+  </p:clrMapOvr>
+</p:sld>
+</file>
+
+<file path=ppt/slides/slide14.xml><?xml version="1.0" encoding="utf-8"?>
+<p:sld xmlns:a="http://schemas.openxmlformats.org/drawingml/2006/main" xmlns:r="http://schemas.openxmlformats.org/officeDocument/2006/relationships" xmlns:p="http://schemas.openxmlformats.org/presentationml/2006/main">
+  <p:cSld>
+    <p:spTree>
+      <p:nvGrpSpPr>
+        <p:cNvPr id="1" name=""/>
+        <p:cNvGrpSpPr/>
+        <p:nvPr/>
+      </p:nvGrpSpPr>
+      <p:grpSpPr>
+        <a:xfrm>
+          <a:off x="0" y="0"/>
+          <a:ext cx="0" cy="0"/>
+          <a:chOff x="0" y="0"/>
+          <a:chExt cx="0" cy="0"/>
+        </a:xfrm>
+      </p:grpSpPr>
+      <p:sp>
+        <p:nvSpPr>
+          <p:cNvPr id="2" name="Title 1">
+            <a:extLst>
+              <a:ext uri="{FF2B5EF4-FFF2-40B4-BE49-F238E27FC236}">
+                <a16:creationId xmlns:a16="http://schemas.microsoft.com/office/drawing/2014/main" id="{FD7F4921-73B0-EA9A-FA6C-EE9E6F739230}"/>
+              </a:ext>
+            </a:extLst>
+          </p:cNvPr>
+          <p:cNvSpPr>
+            <a:spLocks noGrp="1"/>
+          </p:cNvSpPr>
+          <p:nvPr>
+            <p:ph type="title"/>
+          </p:nvPr>
+        </p:nvSpPr>
+        <p:spPr>
+          <a:xfrm>
+            <a:off x="1597306" y="716707"/>
+            <a:ext cx="8911687" cy="1280890"/>
+          </a:xfrm>
+        </p:spPr>
+        <p:txBody>
+          <a:bodyPr/>
+          <a:lstStyle/>
+          <a:p>
+            <a:pPr algn="ctr"/>
+            <a:r>
+              <a:rPr lang="en-US" dirty="0"/>
+              <a:t>Conclusion</a:t>
+            </a:r>
+          </a:p>
+        </p:txBody>
+      </p:sp>
+      <p:sp>
+        <p:nvSpPr>
+          <p:cNvPr id="3" name="Content Placeholder 2">
+            <a:extLst>
+              <a:ext uri="{FF2B5EF4-FFF2-40B4-BE49-F238E27FC236}">
+                <a16:creationId xmlns:a16="http://schemas.microsoft.com/office/drawing/2014/main" id="{62F0BBEE-0013-94EF-5D63-1CA030E4B52B}"/>
+              </a:ext>
+            </a:extLst>
+          </p:cNvPr>
+          <p:cNvSpPr>
+            <a:spLocks noGrp="1"/>
+          </p:cNvSpPr>
+          <p:nvPr>
+            <p:ph idx="1"/>
+          </p:nvPr>
+        </p:nvSpPr>
+        <p:spPr>
+          <a:xfrm>
+            <a:off x="1597306" y="2511706"/>
+            <a:ext cx="9907306" cy="3399516"/>
+          </a:xfrm>
+        </p:spPr>
+        <p:txBody>
+          <a:bodyPr>
+            <a:normAutofit/>
+          </a:bodyPr>
+          <a:lstStyle/>
+          <a:p>
+            <a:pPr algn="just"/>
+            <a:r>
+              <a:rPr lang="en-US" sz="2600" dirty="0">
+                <a:solidFill>
+                  <a:srgbClr val="0070C0"/>
+                </a:solidFill>
+              </a:rPr>
+              <a:t>Although a small portion of a logistic curve on the positive x-axis might resemble a logarithmic curve, they are fundamentally different functions with distinct characteristics and applications.</a:t>
+            </a:r>
+          </a:p>
+        </p:txBody>
+      </p:sp>
+    </p:spTree>
+    <p:extLst>
+      <p:ext uri="{BB962C8B-B14F-4D97-AF65-F5344CB8AC3E}">
+        <p14:creationId xmlns:p14="http://schemas.microsoft.com/office/powerpoint/2010/main" val="3292002381"/>
+      </p:ext>
+    </p:extLst>
+  </p:cSld>
+  <p:clrMapOvr>
+    <a:masterClrMapping/>
+  </p:clrMapOvr>
+</p:sld>
+</file>
+
+<file path=ppt/slides/slide15.xml><?xml version="1.0" encoding="utf-8"?>
+<p:sld xmlns:a="http://schemas.openxmlformats.org/drawingml/2006/main" xmlns:r="http://schemas.openxmlformats.org/officeDocument/2006/relationships" xmlns:p="http://schemas.openxmlformats.org/presentationml/2006/main">
+  <p:cSld>
+    <p:spTree>
+      <p:nvGrpSpPr>
+        <p:cNvPr id="1" name=""/>
+        <p:cNvGrpSpPr/>
+        <p:nvPr/>
+      </p:nvGrpSpPr>
+      <p:grpSpPr>
+        <a:xfrm>
+          <a:off x="0" y="0"/>
+          <a:ext cx="0" cy="0"/>
+          <a:chOff x="0" y="0"/>
+          <a:chExt cx="0" cy="0"/>
+        </a:xfrm>
+      </p:grpSpPr>
+      <p:sp>
+        <p:nvSpPr>
+          <p:cNvPr id="2" name="Title 1">
+            <a:extLst>
+              <a:ext uri="{FF2B5EF4-FFF2-40B4-BE49-F238E27FC236}">
+                <a16:creationId xmlns:a16="http://schemas.microsoft.com/office/drawing/2014/main" id="{F59B05C5-2BFF-E3DE-AD62-EA42C830747E}"/>
+              </a:ext>
+            </a:extLst>
+          </p:cNvPr>
+          <p:cNvSpPr>
+            <a:spLocks noGrp="1"/>
+          </p:cNvSpPr>
+          <p:nvPr>
+            <p:ph type="title"/>
+          </p:nvPr>
+        </p:nvSpPr>
+        <p:spPr>
+          <a:xfrm>
+            <a:off x="1713053" y="624110"/>
+            <a:ext cx="9791559" cy="1280890"/>
+          </a:xfrm>
+        </p:spPr>
+        <p:txBody>
+          <a:bodyPr/>
+          <a:lstStyle/>
+          <a:p>
+            <a:pPr algn="ctr"/>
+            <a:r>
+              <a:rPr lang="en-US" dirty="0"/>
+              <a:t>References</a:t>
+            </a:r>
+          </a:p>
+        </p:txBody>
+      </p:sp>
+      <p:sp>
+        <p:nvSpPr>
+          <p:cNvPr id="3" name="Content Placeholder 2">
+            <a:extLst>
+              <a:ext uri="{FF2B5EF4-FFF2-40B4-BE49-F238E27FC236}">
+                <a16:creationId xmlns:a16="http://schemas.microsoft.com/office/drawing/2014/main" id="{DB0C15B0-1CF6-88DC-B70D-E0D282EF06B0}"/>
+              </a:ext>
+            </a:extLst>
+          </p:cNvPr>
+          <p:cNvSpPr>
+            <a:spLocks noGrp="1"/>
+          </p:cNvSpPr>
+          <p:nvPr>
+            <p:ph idx="1"/>
+          </p:nvPr>
+        </p:nvSpPr>
+        <p:spPr>
+          <a:xfrm>
+            <a:off x="2037144" y="1655180"/>
+            <a:ext cx="9467468" cy="4256042"/>
+          </a:xfrm>
+        </p:spPr>
+        <p:txBody>
+          <a:bodyPr/>
+          <a:lstStyle/>
+          <a:p>
+            <a:r>
+              <a:rPr lang="en-US" dirty="0"/>
+              <a:t>https://informationisbeautiful.net/visualizations/covid-19-coronavirus-infographic-datapack/</a:t>
+            </a:r>
+          </a:p>
+        </p:txBody>
+      </p:sp>
+    </p:spTree>
+    <p:extLst>
+      <p:ext uri="{BB962C8B-B14F-4D97-AF65-F5344CB8AC3E}">
+        <p14:creationId xmlns:p14="http://schemas.microsoft.com/office/powerpoint/2010/main" val="2914367624"/>
+      </p:ext>
+    </p:extLst>
+  </p:cSld>
+  <p:clrMapOvr>
+    <a:masterClrMapping/>
+  </p:clrMapOvr>
+</p:sld>
+</file>
+
 <file path=ppt/slides/slide2.xml><?xml version="1.0" encoding="utf-8"?>
 <p:sld xmlns:a="http://schemas.openxmlformats.org/drawingml/2006/main" xmlns:r="http://schemas.openxmlformats.org/officeDocument/2006/relationships" xmlns:p="http://schemas.openxmlformats.org/presentationml/2006/main">
   <p:cSld>
@@ -7763,7 +8725,7 @@
           <p:cNvPr id="2" name="Title 1">
             <a:extLst>
               <a:ext uri="{FF2B5EF4-FFF2-40B4-BE49-F238E27FC236}">
-                <a16:creationId xmlns:a16="http://schemas.microsoft.com/office/drawing/2014/main" id="{97211C9A-B8E6-9504-ADBE-6E6921BBB7C1}"/>
+                <a16:creationId xmlns:a16="http://schemas.microsoft.com/office/drawing/2014/main" id="{073ACEF3-337D-E5D4-905D-77050C0649C0}"/>
               </a:ext>
             </a:extLst>
           </p:cNvPr>
@@ -7776,106 +8738,150 @@
         </p:nvSpPr>
         <p:spPr>
           <a:xfrm>
-            <a:off x="1807029" y="533400"/>
-            <a:ext cx="10123714" cy="781991"/>
+            <a:off x="1227113" y="569091"/>
+            <a:ext cx="8911687" cy="1280890"/>
           </a:xfrm>
         </p:spPr>
         <p:txBody>
-          <a:bodyPr>
-            <a:normAutofit/>
-          </a:bodyPr>
+          <a:bodyPr/>
           <a:lstStyle/>
           <a:p>
-            <a:r>
-              <a:rPr lang="en-US" sz="4000" b="1" i="0" dirty="0">
-                <a:solidFill>
-                  <a:srgbClr val="000000"/>
-                </a:solidFill>
-                <a:effectLst/>
-              </a:rPr>
-              <a:t>Logarithmic Curves and Tower Pressure</a:t>
-            </a:r>
-            <a:endParaRPr lang="en-US" sz="4000" dirty="0"/>
-          </a:p>
-        </p:txBody>
-      </p:sp>
-      <p:sp>
-        <p:nvSpPr>
-          <p:cNvPr id="3" name="Content Placeholder 2">
+            <a:pPr algn="ctr"/>
+            <a:r>
+              <a:rPr lang="en-US" dirty="0"/>
+              <a:t>Logarithmic function</a:t>
+            </a:r>
+          </a:p>
+        </p:txBody>
+      </p:sp>
+      <p:pic>
+        <p:nvPicPr>
+          <p:cNvPr id="5" name="Content Placeholder 4">
             <a:extLst>
               <a:ext uri="{FF2B5EF4-FFF2-40B4-BE49-F238E27FC236}">
-                <a16:creationId xmlns:a16="http://schemas.microsoft.com/office/drawing/2014/main" id="{16BCB1DD-354B-B786-45EE-3E5AAFD89685}"/>
+                <a16:creationId xmlns:a16="http://schemas.microsoft.com/office/drawing/2014/main" id="{141BAC21-3FCC-7274-00E7-74935A025DDE}"/>
               </a:ext>
             </a:extLst>
           </p:cNvPr>
-          <p:cNvSpPr>
-            <a:spLocks noGrp="1"/>
-          </p:cNvSpPr>
+          <p:cNvPicPr>
+            <a:picLocks noGrp="1" noChangeAspect="1"/>
+          </p:cNvPicPr>
           <p:nvPr>
             <p:ph idx="1"/>
           </p:nvPr>
-        </p:nvSpPr>
+        </p:nvPicPr>
+        <p:blipFill>
+          <a:blip r:embed="rId2">
+            <a:extLst>
+              <a:ext uri="{28A0092B-C50C-407E-A947-70E740481C1C}">
+                <a14:useLocalDpi xmlns:a14="http://schemas.microsoft.com/office/drawing/2010/main" val="0"/>
+              </a:ext>
+            </a:extLst>
+          </a:blip>
+          <a:stretch>
+            <a:fillRect/>
+          </a:stretch>
+        </p:blipFill>
         <p:spPr>
           <a:xfrm>
-            <a:off x="1085850" y="1685926"/>
-            <a:ext cx="10418762" cy="1508688"/>
+            <a:off x="3033873" y="1718682"/>
+            <a:ext cx="6688861" cy="3647519"/>
           </a:xfrm>
+          <a:prstGeom prst="rect">
+            <a:avLst/>
+          </a:prstGeom>
+          <a:solidFill>
+            <a:srgbClr val="FFFFFF">
+              <a:shade val="85000"/>
+            </a:srgbClr>
+          </a:solidFill>
+          <a:ln w="190500" cap="sq">
+            <a:solidFill>
+              <a:srgbClr val="FFFFFF"/>
+            </a:solidFill>
+            <a:miter lim="800000"/>
+          </a:ln>
+          <a:effectLst>
+            <a:outerShdw blurRad="65000" dist="50800" dir="12900000" kx="195000" ky="145000" algn="tl" rotWithShape="0">
+              <a:srgbClr val="000000">
+                <a:alpha val="30000"/>
+              </a:srgbClr>
+            </a:outerShdw>
+          </a:effectLst>
+          <a:scene3d>
+            <a:camera prst="orthographicFront">
+              <a:rot lat="0" lon="0" rev="360000"/>
+            </a:camera>
+            <a:lightRig rig="twoPt" dir="t">
+              <a:rot lat="0" lon="0" rev="7200000"/>
+            </a:lightRig>
+          </a:scene3d>
+          <a:sp3d contourW="12700">
+            <a:bevelT w="25400" h="19050"/>
+            <a:contourClr>
+              <a:srgbClr val="969696"/>
+            </a:contourClr>
+          </a:sp3d>
         </p:spPr>
-        <p:txBody>
-          <a:bodyPr/>
+      </p:pic>
+      <p:sp>
+        <p:nvSpPr>
+          <p:cNvPr id="7" name="TextBox 6">
+            <a:extLst>
+              <a:ext uri="{FF2B5EF4-FFF2-40B4-BE49-F238E27FC236}">
+                <a16:creationId xmlns:a16="http://schemas.microsoft.com/office/drawing/2014/main" id="{8980289F-616A-913C-534B-C475D1FD793A}"/>
+              </a:ext>
+            </a:extLst>
+          </p:cNvPr>
+          <p:cNvSpPr txBox="1"/>
+          <p:nvPr/>
+        </p:nvSpPr>
+        <p:spPr>
+          <a:xfrm>
+            <a:off x="1048161" y="6084905"/>
+            <a:ext cx="10660283" cy="430887"/>
+          </a:xfrm>
+          <a:prstGeom prst="rect">
+            <a:avLst/>
+          </a:prstGeom>
+          <a:noFill/>
+        </p:spPr>
+        <p:txBody>
+          <a:bodyPr wrap="square">
+            <a:spAutoFit/>
+          </a:bodyPr>
           <a:lstStyle/>
           <a:p>
-            <a:pPr>
+            <a:pPr marL="342900" indent="-342900">
               <a:buClr>
                 <a:srgbClr val="FF0000"/>
               </a:buClr>
-              <a:buSzPct val="150000"/>
               <a:buFont typeface="Wingdings" panose="05000000000000000000" pitchFamily="2" charset="2"/>
               <a:buChar char="Ø"/>
             </a:pPr>
             <a:r>
-              <a:rPr lang="en-US" sz="2000" i="0" dirty="0">
+              <a:rPr kumimoji="0" lang="en-US" altLang="en-US" sz="2200" b="0" i="0" u="none" strike="noStrike" cap="none" normalizeH="0" baseline="0" dirty="0">
+                <a:ln>
+                  <a:noFill/>
+                </a:ln>
                 <a:solidFill>
-                  <a:srgbClr val="000000"/>
+                  <a:schemeClr val="tx1"/>
                 </a:solidFill>
                 <a:effectLst/>
+                <a:latin typeface="+mj-lt"/>
               </a:rPr>
-              <a:t>Logarithmic curve's shape is derived from the mathematical relationship between pressure and the height of a column of material.</a:t>
-            </a:r>
-            <a:endParaRPr lang="en-US" sz="2000" dirty="0"/>
-          </a:p>
-          <a:p>
-            <a:pPr>
-              <a:buClr>
-                <a:srgbClr val="FF0000"/>
-              </a:buClr>
-              <a:buSzPct val="150000"/>
-              <a:buFont typeface="Wingdings" panose="05000000000000000000" pitchFamily="2" charset="2"/>
-              <a:buChar char="Ø"/>
-            </a:pPr>
-            <a:r>
-              <a:rPr lang="en-US" sz="2000" i="0" dirty="0">
-                <a:solidFill>
-                  <a:srgbClr val="000000"/>
-                </a:solidFill>
-                <a:effectLst/>
-              </a:rPr>
-              <a:t>As the height increases, the pressure also increases, but the logarithmic curve offsets this increase by reducing the cross-sectional area proportionally.</a:t>
-            </a:r>
-            <a:endParaRPr lang="en-US" sz="2000" dirty="0"/>
-          </a:p>
-          <a:p>
-            <a:pPr marL="0" indent="0">
-              <a:buNone/>
-            </a:pPr>
-            <a:endParaRPr lang="en-US" dirty="0"/>
+              <a:t>A logarithm is the exponent to which a base must be raised to produce a given number.   </a:t>
+            </a:r>
+            <a:endParaRPr lang="en-US" sz="2200" dirty="0">
+              <a:latin typeface="+mj-lt"/>
+            </a:endParaRPr>
           </a:p>
         </p:txBody>
       </p:sp>
     </p:spTree>
     <p:extLst>
       <p:ext uri="{BB962C8B-B14F-4D97-AF65-F5344CB8AC3E}">
-        <p14:creationId xmlns:p14="http://schemas.microsoft.com/office/powerpoint/2010/main" val="3262984021"/>
+        <p14:creationId xmlns:p14="http://schemas.microsoft.com/office/powerpoint/2010/main" val="723972463"/>
       </p:ext>
     </p:extLst>
   </p:cSld>
@@ -7907,7 +8913,7 @@
           <p:cNvPr id="2" name="Title 1">
             <a:extLst>
               <a:ext uri="{FF2B5EF4-FFF2-40B4-BE49-F238E27FC236}">
-                <a16:creationId xmlns:a16="http://schemas.microsoft.com/office/drawing/2014/main" id="{F3957DD9-A2CB-F1DF-3D90-32890FB44C80}"/>
+                <a16:creationId xmlns:a16="http://schemas.microsoft.com/office/drawing/2014/main" id="{E7DAC65A-CEA2-AF95-43AD-1263B8D7B8EF}"/>
               </a:ext>
             </a:extLst>
           </p:cNvPr>
@@ -7920,7 +8926,7 @@
         </p:nvSpPr>
         <p:spPr>
           <a:xfrm>
-            <a:off x="1724823" y="647259"/>
+            <a:off x="1747973" y="600960"/>
             <a:ext cx="8911687" cy="1280890"/>
           </a:xfrm>
         </p:spPr>
@@ -7930,118 +8936,51 @@
           <a:p>
             <a:pPr algn="ctr"/>
             <a:r>
-              <a:rPr lang="en-US" b="1" dirty="0"/>
-              <a:t>Real-World Applications</a:t>
-            </a:r>
-            <a:br>
               <a:rPr lang="en-US" dirty="0"/>
-            </a:br>
-            <a:endParaRPr lang="en-US" dirty="0"/>
-          </a:p>
-        </p:txBody>
-      </p:sp>
-      <p:sp>
-        <p:nvSpPr>
-          <p:cNvPr id="3" name="Content Placeholder 2">
+              <a:t>Logarithmic function</a:t>
+            </a:r>
+          </a:p>
+        </p:txBody>
+      </p:sp>
+      <p:pic>
+        <p:nvPicPr>
+          <p:cNvPr id="5" name="Content Placeholder 4">
             <a:extLst>
               <a:ext uri="{FF2B5EF4-FFF2-40B4-BE49-F238E27FC236}">
-                <a16:creationId xmlns:a16="http://schemas.microsoft.com/office/drawing/2014/main" id="{D77AB774-E6C2-B394-5279-A4FA9C79FF87}"/>
+                <a16:creationId xmlns:a16="http://schemas.microsoft.com/office/drawing/2014/main" id="{89FCA53F-50C1-25ED-E0D5-F4B280E76317}"/>
               </a:ext>
             </a:extLst>
           </p:cNvPr>
-          <p:cNvSpPr>
-            <a:spLocks noGrp="1"/>
-          </p:cNvSpPr>
+          <p:cNvPicPr>
+            <a:picLocks noGrp="1" noChangeAspect="1"/>
+          </p:cNvPicPr>
           <p:nvPr>
             <p:ph idx="1"/>
           </p:nvPr>
-        </p:nvSpPr>
+        </p:nvPicPr>
+        <p:blipFill>
+          <a:blip r:embed="rId2">
+            <a:extLst>
+              <a:ext uri="{28A0092B-C50C-407E-A947-70E740481C1C}">
+                <a14:useLocalDpi xmlns:a14="http://schemas.microsoft.com/office/drawing/2010/main" val="0"/>
+              </a:ext>
+            </a:extLst>
+          </a:blip>
+          <a:stretch>
+            <a:fillRect/>
+          </a:stretch>
+        </p:blipFill>
         <p:spPr>
           <a:xfrm>
-            <a:off x="2002420" y="1713053"/>
-            <a:ext cx="9502192" cy="4198169"/>
+            <a:off x="1307940" y="1934350"/>
+            <a:ext cx="9884828" cy="3990501"/>
           </a:xfrm>
         </p:spPr>
-        <p:txBody>
-          <a:bodyPr/>
-          <a:lstStyle/>
-          <a:p>
-            <a:pPr>
-              <a:buClr>
-                <a:srgbClr val="FF0000"/>
-              </a:buClr>
-              <a:buSzPct val="150000"/>
-              <a:buFont typeface="Wingdings" panose="05000000000000000000" pitchFamily="2" charset="2"/>
-              <a:buChar char="Ø"/>
-            </a:pPr>
-            <a:r>
-              <a:rPr lang="en-US" sz="2000" dirty="0"/>
-              <a:t>While not as common as other structural shapes, logarithmic curves have been used in the design of certain structures, such as:</a:t>
-            </a:r>
-          </a:p>
-          <a:p>
-            <a:pPr>
-              <a:buClr>
-                <a:srgbClr val="FF0000"/>
-              </a:buClr>
-              <a:buSzPct val="150000"/>
-              <a:buFont typeface="Wingdings" panose="05000000000000000000" pitchFamily="2" charset="2"/>
-              <a:buChar char="Ø"/>
-            </a:pPr>
-            <a:r>
-              <a:rPr lang="en-US" sz="2000" b="1" dirty="0"/>
-              <a:t>Chimneys:</a:t>
-            </a:r>
-            <a:r>
-              <a:rPr lang="en-US" sz="2000" dirty="0"/>
-              <a:t> The tapering shape of some chimneys can be approximated by a logarithmic curve, helping to distribute the weight of the brickwork and resist wind loads.</a:t>
-            </a:r>
-          </a:p>
-          <a:p>
-            <a:pPr>
-              <a:buClr>
-                <a:srgbClr val="FF0000"/>
-              </a:buClr>
-              <a:buSzPct val="150000"/>
-              <a:buFont typeface="Wingdings" panose="05000000000000000000" pitchFamily="2" charset="2"/>
-              <a:buChar char="Ø"/>
-            </a:pPr>
-            <a:r>
-              <a:rPr lang="en-US" sz="2000" b="1" dirty="0"/>
-              <a:t>Retaining Walls:</a:t>
-            </a:r>
-            <a:r>
-              <a:rPr lang="en-US" sz="2000" dirty="0"/>
-              <a:t> Logarithmic curves can be used to design retaining walls that can withstand the lateral pressure of soil.</a:t>
-            </a:r>
-          </a:p>
-          <a:p>
-            <a:pPr>
-              <a:buClr>
-                <a:srgbClr val="FF0000"/>
-              </a:buClr>
-              <a:buSzPct val="150000"/>
-              <a:buFont typeface="Wingdings" panose="05000000000000000000" pitchFamily="2" charset="2"/>
-              <a:buChar char="Ø"/>
-            </a:pPr>
-            <a:r>
-              <a:rPr lang="en-US" sz="2000" b="1" dirty="0"/>
-              <a:t>Specialized Structures:</a:t>
-            </a:r>
-            <a:r>
-              <a:rPr lang="en-US" sz="2000" dirty="0"/>
-              <a:t> In some cases, architects and engineers may employ logarithmic curves for aesthetic or functional reasons in unique structures.</a:t>
-            </a:r>
-          </a:p>
-          <a:p>
-            <a:endParaRPr lang="en-US" dirty="0"/>
-          </a:p>
-        </p:txBody>
-      </p:sp>
+      </p:pic>
     </p:spTree>
     <p:extLst>
       <p:ext uri="{BB962C8B-B14F-4D97-AF65-F5344CB8AC3E}">
-        <p14:creationId xmlns:p14="http://schemas.microsoft.com/office/powerpoint/2010/main" val="4005421418"/>
+        <p14:creationId xmlns:p14="http://schemas.microsoft.com/office/powerpoint/2010/main" val="1354997752"/>
       </p:ext>
     </p:extLst>
   </p:cSld>
@@ -8068,50 +9007,12 @@
           <a:chExt cx="0" cy="0"/>
         </a:xfrm>
       </p:grpSpPr>
-      <p:sp>
-        <p:nvSpPr>
-          <p:cNvPr id="2" name="Title 1">
+      <p:pic>
+        <p:nvPicPr>
+          <p:cNvPr id="6" name="Content Placeholder 5">
             <a:extLst>
               <a:ext uri="{FF2B5EF4-FFF2-40B4-BE49-F238E27FC236}">
-                <a16:creationId xmlns:a16="http://schemas.microsoft.com/office/drawing/2014/main" id="{B49161E7-CED6-DC02-E6C8-D4579791C0F3}"/>
-              </a:ext>
-            </a:extLst>
-          </p:cNvPr>
-          <p:cNvSpPr>
-            <a:spLocks noGrp="1"/>
-          </p:cNvSpPr>
-          <p:nvPr>
-            <p:ph type="title"/>
-          </p:nvPr>
-        </p:nvSpPr>
-        <p:spPr>
-          <a:xfrm>
-            <a:off x="1956317" y="126399"/>
-            <a:ext cx="8911687" cy="1280890"/>
-          </a:xfrm>
-        </p:spPr>
-        <p:txBody>
-          <a:bodyPr/>
-          <a:lstStyle/>
-          <a:p>
-            <a:pPr algn="ctr"/>
-            <a:r>
-              <a:rPr lang="en-US" b="1" dirty="0"/>
-              <a:t>Real-World Applications</a:t>
-            </a:r>
-            <a:br>
-              <a:rPr lang="en-US" dirty="0"/>
-            </a:br>
-            <a:endParaRPr lang="en-US" dirty="0"/>
-          </a:p>
-        </p:txBody>
-      </p:sp>
-      <p:pic>
-        <p:nvPicPr>
-          <p:cNvPr id="5" name="Content Placeholder 4">
-            <a:extLst>
-              <a:ext uri="{FF2B5EF4-FFF2-40B4-BE49-F238E27FC236}">
-                <a16:creationId xmlns:a16="http://schemas.microsoft.com/office/drawing/2014/main" id="{F5256DEF-170F-4B59-B832-19ABDF30105F}"/>
+                <a16:creationId xmlns:a16="http://schemas.microsoft.com/office/drawing/2014/main" id="{0FB4EB3C-2A30-BAED-7BEC-4D36B06BFF96}"/>
               </a:ext>
             </a:extLst>
           </p:cNvPr>
@@ -8136,15 +9037,181 @@
         </p:blipFill>
         <p:spPr>
           <a:xfrm>
-            <a:off x="3229337" y="952014"/>
-            <a:ext cx="6921660" cy="5779587"/>
+            <a:off x="243828" y="1556627"/>
+            <a:ext cx="5852172" cy="4389129"/>
           </a:xfrm>
+        </p:spPr>
+      </p:pic>
+      <p:sp>
+        <p:nvSpPr>
+          <p:cNvPr id="4" name="Rectangle 1">
+            <a:extLst>
+              <a:ext uri="{FF2B5EF4-FFF2-40B4-BE49-F238E27FC236}">
+                <a16:creationId xmlns:a16="http://schemas.microsoft.com/office/drawing/2014/main" id="{79475C27-6441-E953-99E4-83FB6902F9F4}"/>
+              </a:ext>
+            </a:extLst>
+          </p:cNvPr>
+          <p:cNvSpPr>
+            <a:spLocks noGrp="1" noChangeArrowheads="1"/>
+          </p:cNvSpPr>
+          <p:nvPr>
+            <p:ph type="title"/>
+          </p:nvPr>
+        </p:nvSpPr>
+        <p:spPr bwMode="auto">
+          <a:xfrm>
+            <a:off x="3898947" y="633296"/>
+            <a:ext cx="4185762" cy="923330"/>
+          </a:xfrm>
+          <a:prstGeom prst="rect">
+            <a:avLst/>
+          </a:prstGeom>
+          <a:noFill/>
+          <a:ln>
+            <a:noFill/>
+          </a:ln>
+          <a:effectLst/>
+          <a:extLst>
+            <a:ext uri="{909E8E84-426E-40DD-AFC4-6F175D3DCCD1}">
+              <a14:hiddenFill xmlns:a14="http://schemas.microsoft.com/office/drawing/2010/main">
+                <a:solidFill>
+                  <a:schemeClr val="accent1"/>
+                </a:solidFill>
+              </a14:hiddenFill>
+            </a:ext>
+            <a:ext uri="{91240B29-F687-4F45-9708-019B960494DF}">
+              <a14:hiddenLine xmlns:a14="http://schemas.microsoft.com/office/drawing/2010/main" w="9525">
+                <a:solidFill>
+                  <a:schemeClr val="tx1"/>
+                </a:solidFill>
+                <a:miter lim="800000"/>
+                <a:headEnd/>
+                <a:tailEnd/>
+              </a14:hiddenLine>
+            </a:ext>
+            <a:ext uri="{AF507438-7753-43E0-B8FC-AC1667EBCBE1}">
+              <a14:hiddenEffects xmlns:a14="http://schemas.microsoft.com/office/drawing/2010/main">
+                <a:effectLst>
+                  <a:outerShdw dist="35921" dir="2700000" algn="ctr" rotWithShape="0">
+                    <a:schemeClr val="bg2"/>
+                  </a:outerShdw>
+                </a:effectLst>
+              </a14:hiddenEffects>
+            </a:ext>
+          </a:extLst>
+        </p:spPr>
+        <p:txBody>
+          <a:bodyPr vert="horz" wrap="none" lIns="91440" tIns="45720" rIns="91440" bIns="45720" numCol="1" anchor="ctr" anchorCtr="0" compatLnSpc="1">
+            <a:prstTxWarp prst="textNoShape">
+              <a:avLst/>
+            </a:prstTxWarp>
+            <a:spAutoFit/>
+          </a:bodyPr>
+          <a:lstStyle/>
+          <a:p>
+            <a:pPr marL="0" marR="0" lvl="0" indent="0" algn="ctr" defTabSz="914400" rtl="0" eaLnBrk="0" fontAlgn="base" latinLnBrk="0" hangingPunct="0">
+              <a:lnSpc>
+                <a:spcPct val="100000"/>
+              </a:lnSpc>
+              <a:spcBef>
+                <a:spcPct val="0"/>
+              </a:spcBef>
+              <a:spcAft>
+                <a:spcPct val="0"/>
+              </a:spcAft>
+              <a:buClrTx/>
+              <a:buSzTx/>
+              <a:buFontTx/>
+              <a:buNone/>
+              <a:tabLst/>
+            </a:pPr>
+            <a:r>
+              <a:rPr lang="en-US" dirty="0">
+                <a:latin typeface="Corbel(Headings)"/>
+              </a:rPr>
+              <a:t>Logarithmic function</a:t>
+            </a:r>
+            <a:endParaRPr kumimoji="0" lang="en-US" altLang="en-US" b="0" i="0" u="none" strike="noStrike" cap="none" normalizeH="0" baseline="0" dirty="0">
+              <a:ln>
+                <a:noFill/>
+              </a:ln>
+              <a:solidFill>
+                <a:schemeClr val="tx1"/>
+              </a:solidFill>
+              <a:effectLst/>
+              <a:latin typeface="Corbel(Headings)"/>
+            </a:endParaRPr>
+          </a:p>
+          <a:p>
+            <a:pPr marL="0" marR="0" lvl="0" indent="0" algn="l" defTabSz="914400" rtl="0" eaLnBrk="0" fontAlgn="base" latinLnBrk="0" hangingPunct="0">
+              <a:lnSpc>
+                <a:spcPct val="100000"/>
+              </a:lnSpc>
+              <a:spcBef>
+                <a:spcPct val="0"/>
+              </a:spcBef>
+              <a:spcAft>
+                <a:spcPct val="0"/>
+              </a:spcAft>
+              <a:buClrTx/>
+              <a:buSzTx/>
+              <a:buFontTx/>
+              <a:buNone/>
+              <a:tabLst/>
+            </a:pPr>
+            <a:endParaRPr kumimoji="0" lang="en-US" altLang="en-US" sz="1800" b="0" i="0" u="none" strike="noStrike" cap="none" normalizeH="0" baseline="0" dirty="0">
+              <a:ln>
+                <a:noFill/>
+              </a:ln>
+              <a:solidFill>
+                <a:schemeClr val="tx1"/>
+              </a:solidFill>
+              <a:effectLst/>
+              <a:latin typeface="Arial" panose="020B0604020202020204" pitchFamily="34" charset="0"/>
+            </a:endParaRPr>
+          </a:p>
+        </p:txBody>
+      </p:sp>
+      <p:pic>
+        <p:nvPicPr>
+          <p:cNvPr id="8" name="Picture 7">
+            <a:extLst>
+              <a:ext uri="{FF2B5EF4-FFF2-40B4-BE49-F238E27FC236}">
+                <a16:creationId xmlns:a16="http://schemas.microsoft.com/office/drawing/2014/main" id="{C92BDEFA-5871-3B5B-6617-EAA030901868}"/>
+              </a:ext>
+            </a:extLst>
+          </p:cNvPr>
+          <p:cNvPicPr>
+            <a:picLocks noChangeAspect="1"/>
+          </p:cNvPicPr>
+          <p:nvPr/>
+        </p:nvPicPr>
+        <p:blipFill>
+          <a:blip r:embed="rId3">
+            <a:extLst>
+              <a:ext uri="{28A0092B-C50C-407E-A947-70E740481C1C}">
+                <a14:useLocalDpi xmlns:a14="http://schemas.microsoft.com/office/drawing/2010/main" val="0"/>
+              </a:ext>
+            </a:extLst>
+          </a:blip>
+          <a:stretch>
+            <a:fillRect/>
+          </a:stretch>
+        </p:blipFill>
+        <p:spPr>
+          <a:xfrm>
+            <a:off x="6200173" y="1556626"/>
+            <a:ext cx="5852172" cy="4389129"/>
+          </a:xfrm>
+          <a:prstGeom prst="rect">
+            <a:avLst/>
+          </a:prstGeom>
         </p:spPr>
       </p:pic>
     </p:spTree>
     <p:extLst>
       <p:ext uri="{BB962C8B-B14F-4D97-AF65-F5344CB8AC3E}">
-        <p14:creationId xmlns:p14="http://schemas.microsoft.com/office/powerpoint/2010/main" val="1503573021"/>
+        <p14:creationId xmlns:p14="http://schemas.microsoft.com/office/powerpoint/2010/main" val="2553473895"/>
       </p:ext>
     </p:extLst>
   </p:cSld>
@@ -8176,7 +9243,7 @@
           <p:cNvPr id="2" name="Title 1">
             <a:extLst>
               <a:ext uri="{FF2B5EF4-FFF2-40B4-BE49-F238E27FC236}">
-                <a16:creationId xmlns:a16="http://schemas.microsoft.com/office/drawing/2014/main" id="{F59B05C5-2BFF-E3DE-AD62-EA42C830747E}"/>
+                <a16:creationId xmlns:a16="http://schemas.microsoft.com/office/drawing/2014/main" id="{B2E5D48C-BD8B-FC60-5F69-62A069ADE003}"/>
               </a:ext>
             </a:extLst>
           </p:cNvPr>
@@ -8189,8 +9256,8 @@
         </p:nvSpPr>
         <p:spPr>
           <a:xfrm>
-            <a:off x="1713053" y="624110"/>
-            <a:ext cx="9791559" cy="1280890"/>
+            <a:off x="1794272" y="600960"/>
+            <a:ext cx="8911687" cy="1280890"/>
           </a:xfrm>
         </p:spPr>
         <p:txBody>
@@ -8199,9 +9266,481 @@
           <a:p>
             <a:pPr algn="ctr"/>
             <a:r>
-              <a:rPr lang="en-US" dirty="0"/>
-              <a:t>References</a:t>
-            </a:r>
+              <a:rPr lang="en-US" dirty="0">
+                <a:latin typeface="Corbel(Headings)"/>
+              </a:rPr>
+              <a:t>Logarithmic function</a:t>
+            </a:r>
+            <a:endParaRPr lang="en-US" dirty="0"/>
+          </a:p>
+        </p:txBody>
+      </p:sp>
+      <mc:AlternateContent xmlns:mc="http://schemas.openxmlformats.org/markup-compatibility/2006" xmlns:a14="http://schemas.microsoft.com/office/drawing/2010/main">
+        <mc:Choice Requires="a14">
+          <p:sp>
+            <p:nvSpPr>
+              <p:cNvPr id="3" name="Content Placeholder 2">
+                <a:extLst>
+                  <a:ext uri="{FF2B5EF4-FFF2-40B4-BE49-F238E27FC236}">
+                    <a16:creationId xmlns:a16="http://schemas.microsoft.com/office/drawing/2014/main" id="{9E354734-AFC6-B6CD-850A-D8613AD4CA6A}"/>
+                  </a:ext>
+                </a:extLst>
+              </p:cNvPr>
+              <p:cNvSpPr>
+                <a:spLocks noGrp="1"/>
+              </p:cNvSpPr>
+              <p:nvPr>
+                <p:ph idx="1"/>
+              </p:nvPr>
+            </p:nvSpPr>
+            <p:spPr>
+              <a:xfrm>
+                <a:off x="1894731" y="1493134"/>
+                <a:ext cx="8915400" cy="2187615"/>
+              </a:xfrm>
+            </p:spPr>
+            <p:txBody>
+              <a:bodyPr>
+                <a:noAutofit/>
+              </a:bodyPr>
+              <a:lstStyle/>
+              <a:p>
+                <a:pPr>
+                  <a:buClr>
+                    <a:srgbClr val="FF0000"/>
+                  </a:buClr>
+                  <a:buFont typeface="Wingdings" panose="05000000000000000000" pitchFamily="2" charset="2"/>
+                  <a:buChar char="Ø"/>
+                </a:pPr>
+                <a:r>
+                  <a:rPr lang="en-US" sz="2200" b="0" i="0" dirty="0">
+                    <a:solidFill>
+                      <a:srgbClr val="555555"/>
+                    </a:solidFill>
+                    <a:effectLst/>
+                    <a:latin typeface="Corbel(Body)"/>
+                  </a:rPr>
+                  <a:t>Richter scale is a </a:t>
+                </a:r>
+                <a:r>
+                  <a:rPr lang="en-US" sz="2200" b="1" i="0" dirty="0">
+                    <a:solidFill>
+                      <a:srgbClr val="555555"/>
+                    </a:solidFill>
+                    <a:effectLst/>
+                    <a:latin typeface="Corbel(Body)"/>
+                  </a:rPr>
+                  <a:t>base-10 logarithmic</a:t>
+                </a:r>
+                <a:r>
+                  <a:rPr lang="en-US" sz="2200" b="0" i="0" dirty="0">
+                    <a:solidFill>
+                      <a:srgbClr val="555555"/>
+                    </a:solidFill>
+                    <a:effectLst/>
+                    <a:latin typeface="Corbel(Body)"/>
+                  </a:rPr>
+                  <a:t> scale, meaning that each order of magnitude is 10 times more intensive than the last one. </a:t>
+                </a:r>
+              </a:p>
+              <a:p>
+                <a:pPr>
+                  <a:buClr>
+                    <a:srgbClr val="FF0000"/>
+                  </a:buClr>
+                  <a:buFont typeface="Wingdings" panose="05000000000000000000" pitchFamily="2" charset="2"/>
+                  <a:buChar char="Ø"/>
+                </a:pPr>
+                <a14:m>
+                  <m:oMath xmlns:m="http://schemas.openxmlformats.org/officeDocument/2006/math">
+                    <m:sSup>
+                      <m:sSupPr>
+                        <m:ctrlPr>
+                          <a:rPr lang="en-US" sz="2200" i="1" smtClean="0">
+                            <a:latin typeface="Cambria Math" panose="02040503050406030204" pitchFamily="18" charset="0"/>
+                          </a:rPr>
+                        </m:ctrlPr>
+                      </m:sSupPr>
+                      <m:e>
+                        <m:r>
+                          <a:rPr lang="en-US" sz="2200" b="0" i="1" smtClean="0">
+                            <a:latin typeface="Cambria Math" panose="02040503050406030204" pitchFamily="18" charset="0"/>
+                          </a:rPr>
+                          <m:t>𝑝</m:t>
+                        </m:r>
+                      </m:e>
+                      <m:sup>
+                        <m:r>
+                          <a:rPr lang="en-US" sz="2200" b="0" i="1" smtClean="0">
+                            <a:latin typeface="Cambria Math" panose="02040503050406030204" pitchFamily="18" charset="0"/>
+                          </a:rPr>
+                          <m:t>𝐻</m:t>
+                        </m:r>
+                      </m:sup>
+                    </m:sSup>
+                  </m:oMath>
+                </a14:m>
+                <a:r>
+                  <a:rPr lang="en-US" sz="2200" dirty="0">
+                    <a:latin typeface="Corbel(Body)"/>
+                  </a:rPr>
+                  <a:t> scale is a logarithmic scale used to measure acidity or alkalinity of solution.</a:t>
+                </a:r>
+              </a:p>
+              <a:p>
+                <a:pPr>
+                  <a:buClr>
+                    <a:srgbClr val="FF0000"/>
+                  </a:buClr>
+                  <a:buFont typeface="Wingdings" panose="05000000000000000000" pitchFamily="2" charset="2"/>
+                  <a:buChar char="Ø"/>
+                </a:pPr>
+                <a14:m>
+                  <m:oMath xmlns:m="http://schemas.openxmlformats.org/officeDocument/2006/math">
+                    <m:sSup>
+                      <m:sSupPr>
+                        <m:ctrlPr>
+                          <a:rPr lang="en-US" sz="2200" i="1" smtClean="0">
+                            <a:latin typeface="Cambria Math" panose="02040503050406030204" pitchFamily="18" charset="0"/>
+                          </a:rPr>
+                        </m:ctrlPr>
+                      </m:sSupPr>
+                      <m:e>
+                        <m:r>
+                          <a:rPr lang="en-US" sz="2200" b="0" i="1" smtClean="0">
+                            <a:latin typeface="Cambria Math" panose="02040503050406030204" pitchFamily="18" charset="0"/>
+                          </a:rPr>
+                          <m:t>𝑝</m:t>
+                        </m:r>
+                      </m:e>
+                      <m:sup>
+                        <m:r>
+                          <a:rPr lang="en-US" sz="2200" b="0" i="1" smtClean="0">
+                            <a:latin typeface="Cambria Math" panose="02040503050406030204" pitchFamily="18" charset="0"/>
+                          </a:rPr>
+                          <m:t>𝐻</m:t>
+                        </m:r>
+                      </m:sup>
+                    </m:sSup>
+                  </m:oMath>
+                </a14:m>
+                <a:r>
+                  <a:rPr lang="en-US" sz="2200" dirty="0">
+                    <a:latin typeface="Corbel(Body)"/>
+                  </a:rPr>
+                  <a:t> is the measure of concentration of hydrogen ions in the solution.</a:t>
+                </a:r>
+              </a:p>
+              <a:p>
+                <a:pPr>
+                  <a:buClr>
+                    <a:srgbClr val="FF0000"/>
+                  </a:buClr>
+                  <a:buFont typeface="Wingdings" panose="05000000000000000000" pitchFamily="2" charset="2"/>
+                  <a:buChar char="Ø"/>
+                </a:pPr>
+                <a14:m>
+                  <m:oMath xmlns:m="http://schemas.openxmlformats.org/officeDocument/2006/math">
+                    <m:sSup>
+                      <m:sSupPr>
+                        <m:ctrlPr>
+                          <a:rPr lang="en-US" sz="2200" i="1" smtClean="0">
+                            <a:latin typeface="Cambria Math" panose="02040503050406030204" pitchFamily="18" charset="0"/>
+                          </a:rPr>
+                        </m:ctrlPr>
+                      </m:sSupPr>
+                      <m:e>
+                        <m:r>
+                          <a:rPr lang="en-US" sz="2200" b="0" i="1" smtClean="0">
+                            <a:latin typeface="Cambria Math" panose="02040503050406030204" pitchFamily="18" charset="0"/>
+                          </a:rPr>
+                          <m:t>𝑝</m:t>
+                        </m:r>
+                      </m:e>
+                      <m:sup>
+                        <m:r>
+                          <a:rPr lang="en-US" sz="2200" b="0" i="1" smtClean="0">
+                            <a:latin typeface="Cambria Math" panose="02040503050406030204" pitchFamily="18" charset="0"/>
+                          </a:rPr>
+                          <m:t>𝐻</m:t>
+                        </m:r>
+                      </m:sup>
+                    </m:sSup>
+                  </m:oMath>
+                </a14:m>
+                <a:r>
+                  <a:rPr lang="en-US" sz="2200" dirty="0">
+                    <a:latin typeface="Corbel(Body)"/>
+                  </a:rPr>
+                  <a:t> converts the number of ions into a manageable scale (0 to 14).</a:t>
+                </a:r>
+              </a:p>
+            </p:txBody>
+          </p:sp>
+        </mc:Choice>
+        <mc:Fallback xmlns="">
+          <p:sp>
+            <p:nvSpPr>
+              <p:cNvPr id="3" name="Content Placeholder 2">
+                <a:extLst>
+                  <a:ext uri="{FF2B5EF4-FFF2-40B4-BE49-F238E27FC236}">
+                    <a16:creationId xmlns:a16="http://schemas.microsoft.com/office/drawing/2014/main" id="{9E354734-AFC6-B6CD-850A-D8613AD4CA6A}"/>
+                  </a:ext>
+                </a:extLst>
+              </p:cNvPr>
+              <p:cNvSpPr>
+                <a:spLocks noGrp="1" noRot="1" noChangeAspect="1" noMove="1" noResize="1" noEditPoints="1" noAdjustHandles="1" noChangeArrowheads="1" noChangeShapeType="1" noTextEdit="1"/>
+              </p:cNvSpPr>
+              <p:nvPr>
+                <p:ph idx="1"/>
+              </p:nvPr>
+            </p:nvSpPr>
+            <p:spPr>
+              <a:xfrm>
+                <a:off x="1894731" y="1493134"/>
+                <a:ext cx="8915400" cy="2187615"/>
+              </a:xfrm>
+              <a:blipFill>
+                <a:blip r:embed="rId2"/>
+                <a:stretch>
+                  <a:fillRect l="-752" t="-1950" b="-20056"/>
+                </a:stretch>
+              </a:blipFill>
+            </p:spPr>
+            <p:txBody>
+              <a:bodyPr/>
+              <a:lstStyle/>
+              <a:p>
+                <a:r>
+                  <a:rPr lang="en-US">
+                    <a:noFill/>
+                  </a:rPr>
+                  <a:t> </a:t>
+                </a:r>
+              </a:p>
+            </p:txBody>
+          </p:sp>
+        </mc:Fallback>
+      </mc:AlternateContent>
+      <p:pic>
+        <p:nvPicPr>
+          <p:cNvPr id="5" name="Picture 4">
+            <a:extLst>
+              <a:ext uri="{FF2B5EF4-FFF2-40B4-BE49-F238E27FC236}">
+                <a16:creationId xmlns:a16="http://schemas.microsoft.com/office/drawing/2014/main" id="{64DC7CF0-AB4B-F652-B085-7AB5DB8456E6}"/>
+              </a:ext>
+            </a:extLst>
+          </p:cNvPr>
+          <p:cNvPicPr>
+            <a:picLocks noChangeAspect="1"/>
+          </p:cNvPicPr>
+          <p:nvPr/>
+        </p:nvPicPr>
+        <p:blipFill>
+          <a:blip r:embed="rId3">
+            <a:extLst>
+              <a:ext uri="{28A0092B-C50C-407E-A947-70E740481C1C}">
+                <a14:useLocalDpi xmlns:a14="http://schemas.microsoft.com/office/drawing/2010/main" val="0"/>
+              </a:ext>
+            </a:extLst>
+          </a:blip>
+          <a:stretch>
+            <a:fillRect/>
+          </a:stretch>
+        </p:blipFill>
+        <p:spPr>
+          <a:xfrm>
+            <a:off x="2972764" y="4116305"/>
+            <a:ext cx="5945530" cy="2497122"/>
+          </a:xfrm>
+          <a:prstGeom prst="rect">
+            <a:avLst/>
+          </a:prstGeom>
+        </p:spPr>
+      </p:pic>
+    </p:spTree>
+    <p:extLst>
+      <p:ext uri="{BB962C8B-B14F-4D97-AF65-F5344CB8AC3E}">
+        <p14:creationId xmlns:p14="http://schemas.microsoft.com/office/powerpoint/2010/main" val="1130703227"/>
+      </p:ext>
+    </p:extLst>
+  </p:cSld>
+  <p:clrMapOvr>
+    <a:masterClrMapping/>
+  </p:clrMapOvr>
+</p:sld>
+</file>
+
+<file path=ppt/slides/slide6.xml><?xml version="1.0" encoding="utf-8"?>
+<p:sld xmlns:a="http://schemas.openxmlformats.org/drawingml/2006/main" xmlns:r="http://schemas.openxmlformats.org/officeDocument/2006/relationships" xmlns:p="http://schemas.openxmlformats.org/presentationml/2006/main">
+  <p:cSld>
+    <p:spTree>
+      <p:nvGrpSpPr>
+        <p:cNvPr id="1" name=""/>
+        <p:cNvGrpSpPr/>
+        <p:nvPr/>
+      </p:nvGrpSpPr>
+      <p:grpSpPr>
+        <a:xfrm>
+          <a:off x="0" y="0"/>
+          <a:ext cx="0" cy="0"/>
+          <a:chOff x="0" y="0"/>
+          <a:chExt cx="0" cy="0"/>
+        </a:xfrm>
+      </p:grpSpPr>
+      <p:sp>
+        <p:nvSpPr>
+          <p:cNvPr id="2" name="Title 1">
+            <a:extLst>
+              <a:ext uri="{FF2B5EF4-FFF2-40B4-BE49-F238E27FC236}">
+                <a16:creationId xmlns:a16="http://schemas.microsoft.com/office/drawing/2014/main" id="{51B88A7A-3881-EACB-1B66-79FF6A1BB2D7}"/>
+              </a:ext>
+            </a:extLst>
+          </p:cNvPr>
+          <p:cNvSpPr>
+            <a:spLocks noGrp="1"/>
+          </p:cNvSpPr>
+          <p:nvPr>
+            <p:ph type="title"/>
+          </p:nvPr>
+        </p:nvSpPr>
+        <p:spPr>
+          <a:xfrm>
+            <a:off x="1828996" y="624110"/>
+            <a:ext cx="8911687" cy="1280890"/>
+          </a:xfrm>
+        </p:spPr>
+        <p:txBody>
+          <a:bodyPr/>
+          <a:lstStyle/>
+          <a:p>
+            <a:pPr algn="ctr"/>
+            <a:r>
+              <a:rPr lang="en-US" dirty="0">
+                <a:latin typeface="Corbel(Headings)"/>
+              </a:rPr>
+              <a:t>Logarithmic function</a:t>
+            </a:r>
+            <a:endParaRPr lang="en-US" dirty="0"/>
+          </a:p>
+        </p:txBody>
+      </p:sp>
+      <p:pic>
+        <p:nvPicPr>
+          <p:cNvPr id="5" name="Content Placeholder 4">
+            <a:extLst>
+              <a:ext uri="{FF2B5EF4-FFF2-40B4-BE49-F238E27FC236}">
+                <a16:creationId xmlns:a16="http://schemas.microsoft.com/office/drawing/2014/main" id="{52A6390B-6587-0C40-B461-E780C6B713F1}"/>
+              </a:ext>
+            </a:extLst>
+          </p:cNvPr>
+          <p:cNvPicPr>
+            <a:picLocks noGrp="1" noChangeAspect="1"/>
+          </p:cNvPicPr>
+          <p:nvPr>
+            <p:ph idx="1"/>
+          </p:nvPr>
+        </p:nvPicPr>
+        <p:blipFill>
+          <a:blip r:embed="rId2">
+            <a:extLst>
+              <a:ext uri="{28A0092B-C50C-407E-A947-70E740481C1C}">
+                <a14:useLocalDpi xmlns:a14="http://schemas.microsoft.com/office/drawing/2010/main" val="0"/>
+              </a:ext>
+            </a:extLst>
+          </a:blip>
+          <a:stretch>
+            <a:fillRect/>
+          </a:stretch>
+        </p:blipFill>
+        <p:spPr>
+          <a:xfrm>
+            <a:off x="2642180" y="1561578"/>
+            <a:ext cx="7285317" cy="4561430"/>
+          </a:xfrm>
+          <a:prstGeom prst="rect">
+            <a:avLst/>
+          </a:prstGeom>
+          <a:ln>
+            <a:noFill/>
+          </a:ln>
+          <a:effectLst>
+            <a:outerShdw blurRad="292100" dist="139700" dir="2700000" algn="tl" rotWithShape="0">
+              <a:srgbClr val="333333">
+                <a:alpha val="65000"/>
+              </a:srgbClr>
+            </a:outerShdw>
+          </a:effectLst>
+        </p:spPr>
+      </p:pic>
+    </p:spTree>
+    <p:extLst>
+      <p:ext uri="{BB962C8B-B14F-4D97-AF65-F5344CB8AC3E}">
+        <p14:creationId xmlns:p14="http://schemas.microsoft.com/office/powerpoint/2010/main" val="2041536267"/>
+      </p:ext>
+    </p:extLst>
+  </p:cSld>
+  <p:clrMapOvr>
+    <a:masterClrMapping/>
+  </p:clrMapOvr>
+</p:sld>
+</file>
+
+<file path=ppt/slides/slide7.xml><?xml version="1.0" encoding="utf-8"?>
+<p:sld xmlns:a="http://schemas.openxmlformats.org/drawingml/2006/main" xmlns:r="http://schemas.openxmlformats.org/officeDocument/2006/relationships" xmlns:p="http://schemas.openxmlformats.org/presentationml/2006/main">
+  <p:cSld>
+    <p:spTree>
+      <p:nvGrpSpPr>
+        <p:cNvPr id="1" name=""/>
+        <p:cNvGrpSpPr/>
+        <p:nvPr/>
+      </p:nvGrpSpPr>
+      <p:grpSpPr>
+        <a:xfrm>
+          <a:off x="0" y="0"/>
+          <a:ext cx="0" cy="0"/>
+          <a:chOff x="0" y="0"/>
+          <a:chExt cx="0" cy="0"/>
+        </a:xfrm>
+      </p:grpSpPr>
+      <p:sp>
+        <p:nvSpPr>
+          <p:cNvPr id="2" name="Title 1">
+            <a:extLst>
+              <a:ext uri="{FF2B5EF4-FFF2-40B4-BE49-F238E27FC236}">
+                <a16:creationId xmlns:a16="http://schemas.microsoft.com/office/drawing/2014/main" id="{97211C9A-B8E6-9504-ADBE-6E6921BBB7C1}"/>
+              </a:ext>
+            </a:extLst>
+          </p:cNvPr>
+          <p:cNvSpPr>
+            <a:spLocks noGrp="1"/>
+          </p:cNvSpPr>
+          <p:nvPr>
+            <p:ph type="title"/>
+          </p:nvPr>
+        </p:nvSpPr>
+        <p:spPr>
+          <a:xfrm>
+            <a:off x="1807029" y="533400"/>
+            <a:ext cx="10123714" cy="781991"/>
+          </a:xfrm>
+        </p:spPr>
+        <p:txBody>
+          <a:bodyPr>
+            <a:normAutofit/>
+          </a:bodyPr>
+          <a:lstStyle/>
+          <a:p>
+            <a:r>
+              <a:rPr lang="en-US" sz="4000" b="1" i="0" dirty="0">
+                <a:solidFill>
+                  <a:srgbClr val="000000"/>
+                </a:solidFill>
+                <a:effectLst/>
+              </a:rPr>
+              <a:t>Logarithmic Curves and Tower Pressure</a:t>
+            </a:r>
+            <a:endParaRPr lang="en-US" sz="4000" dirty="0"/>
           </a:p>
         </p:txBody>
       </p:sp>
@@ -8210,7 +9749,7 @@
           <p:cNvPr id="3" name="Content Placeholder 2">
             <a:extLst>
               <a:ext uri="{FF2B5EF4-FFF2-40B4-BE49-F238E27FC236}">
-                <a16:creationId xmlns:a16="http://schemas.microsoft.com/office/drawing/2014/main" id="{DB0C15B0-1CF6-88DC-B70D-E0D282EF06B0}"/>
+                <a16:creationId xmlns:a16="http://schemas.microsoft.com/office/drawing/2014/main" id="{16BCB1DD-354B-B786-45EE-3E5AAFD89685}"/>
               </a:ext>
             </a:extLst>
           </p:cNvPr>
@@ -8223,25 +9762,341 @@
         </p:nvSpPr>
         <p:spPr>
           <a:xfrm>
-            <a:off x="2037144" y="1655180"/>
-            <a:ext cx="9467468" cy="4256042"/>
+            <a:off x="1085850" y="1685926"/>
+            <a:ext cx="10418762" cy="1508688"/>
           </a:xfrm>
         </p:spPr>
         <p:txBody>
-          <a:bodyPr/>
+          <a:bodyPr>
+            <a:normAutofit lnSpcReduction="10000"/>
+          </a:bodyPr>
           <a:lstStyle/>
           <a:p>
-            <a:r>
-              <a:rPr lang="en-US" dirty="0"/>
-              <a:t>https://informationisbeautiful.net/visualizations/covid-19-coronavirus-infographic-datapack/</a:t>
-            </a:r>
+            <a:pPr>
+              <a:buClr>
+                <a:srgbClr val="FF0000"/>
+              </a:buClr>
+              <a:buSzPct val="150000"/>
+              <a:buFont typeface="Wingdings" panose="05000000000000000000" pitchFamily="2" charset="2"/>
+              <a:buChar char="Ø"/>
+            </a:pPr>
+            <a:r>
+              <a:rPr lang="en-US" sz="2200" i="0" dirty="0">
+                <a:solidFill>
+                  <a:srgbClr val="000000"/>
+                </a:solidFill>
+                <a:effectLst/>
+              </a:rPr>
+              <a:t>Logarithmic curve's shape is derived from the mathematical relationship between pressure and the height of a column of material.</a:t>
+            </a:r>
+            <a:endParaRPr lang="en-US" sz="2200" dirty="0"/>
+          </a:p>
+          <a:p>
+            <a:pPr>
+              <a:buClr>
+                <a:srgbClr val="FF0000"/>
+              </a:buClr>
+              <a:buSzPct val="150000"/>
+              <a:buFont typeface="Wingdings" panose="05000000000000000000" pitchFamily="2" charset="2"/>
+              <a:buChar char="Ø"/>
+            </a:pPr>
+            <a:r>
+              <a:rPr lang="en-US" sz="2200" i="0" dirty="0">
+                <a:solidFill>
+                  <a:srgbClr val="000000"/>
+                </a:solidFill>
+                <a:effectLst/>
+              </a:rPr>
+              <a:t>As the height increases, the pressure also increases, but the logarithmic curve offsets this increase by reducing the cross-sectional area proportionally.</a:t>
+            </a:r>
+            <a:endParaRPr lang="en-US" sz="2200" dirty="0"/>
+          </a:p>
+          <a:p>
+            <a:pPr marL="0" indent="0">
+              <a:buNone/>
+            </a:pPr>
+            <a:endParaRPr lang="en-US" dirty="0"/>
           </a:p>
         </p:txBody>
       </p:sp>
     </p:spTree>
     <p:extLst>
       <p:ext uri="{BB962C8B-B14F-4D97-AF65-F5344CB8AC3E}">
-        <p14:creationId xmlns:p14="http://schemas.microsoft.com/office/powerpoint/2010/main" val="2914367624"/>
+        <p14:creationId xmlns:p14="http://schemas.microsoft.com/office/powerpoint/2010/main" val="3262984021"/>
+      </p:ext>
+    </p:extLst>
+  </p:cSld>
+  <p:clrMapOvr>
+    <a:masterClrMapping/>
+  </p:clrMapOvr>
+</p:sld>
+</file>
+
+<file path=ppt/slides/slide8.xml><?xml version="1.0" encoding="utf-8"?>
+<p:sld xmlns:a="http://schemas.openxmlformats.org/drawingml/2006/main" xmlns:r="http://schemas.openxmlformats.org/officeDocument/2006/relationships" xmlns:p="http://schemas.openxmlformats.org/presentationml/2006/main">
+  <p:cSld>
+    <p:spTree>
+      <p:nvGrpSpPr>
+        <p:cNvPr id="1" name=""/>
+        <p:cNvGrpSpPr/>
+        <p:nvPr/>
+      </p:nvGrpSpPr>
+      <p:grpSpPr>
+        <a:xfrm>
+          <a:off x="0" y="0"/>
+          <a:ext cx="0" cy="0"/>
+          <a:chOff x="0" y="0"/>
+          <a:chExt cx="0" cy="0"/>
+        </a:xfrm>
+      </p:grpSpPr>
+      <p:sp>
+        <p:nvSpPr>
+          <p:cNvPr id="2" name="Title 1">
+            <a:extLst>
+              <a:ext uri="{FF2B5EF4-FFF2-40B4-BE49-F238E27FC236}">
+                <a16:creationId xmlns:a16="http://schemas.microsoft.com/office/drawing/2014/main" id="{F3957DD9-A2CB-F1DF-3D90-32890FB44C80}"/>
+              </a:ext>
+            </a:extLst>
+          </p:cNvPr>
+          <p:cNvSpPr>
+            <a:spLocks noGrp="1"/>
+          </p:cNvSpPr>
+          <p:nvPr>
+            <p:ph type="title"/>
+          </p:nvPr>
+        </p:nvSpPr>
+        <p:spPr>
+          <a:xfrm>
+            <a:off x="2002420" y="624109"/>
+            <a:ext cx="8911687" cy="1280890"/>
+          </a:xfrm>
+        </p:spPr>
+        <p:txBody>
+          <a:bodyPr/>
+          <a:lstStyle/>
+          <a:p>
+            <a:pPr algn="ctr"/>
+            <a:r>
+              <a:rPr lang="en-US" b="1" dirty="0"/>
+              <a:t>Logarithmic curve: Real-world applications</a:t>
+            </a:r>
+            <a:br>
+              <a:rPr lang="en-US" dirty="0"/>
+            </a:br>
+            <a:endParaRPr lang="en-US" dirty="0"/>
+          </a:p>
+        </p:txBody>
+      </p:sp>
+      <p:sp>
+        <p:nvSpPr>
+          <p:cNvPr id="3" name="Content Placeholder 2">
+            <a:extLst>
+              <a:ext uri="{FF2B5EF4-FFF2-40B4-BE49-F238E27FC236}">
+                <a16:creationId xmlns:a16="http://schemas.microsoft.com/office/drawing/2014/main" id="{D77AB774-E6C2-B394-5279-A4FA9C79FF87}"/>
+              </a:ext>
+            </a:extLst>
+          </p:cNvPr>
+          <p:cNvSpPr>
+            <a:spLocks noGrp="1"/>
+          </p:cNvSpPr>
+          <p:nvPr>
+            <p:ph idx="1"/>
+          </p:nvPr>
+        </p:nvSpPr>
+        <p:spPr>
+          <a:xfrm>
+            <a:off x="2002420" y="1713053"/>
+            <a:ext cx="9502192" cy="4198169"/>
+          </a:xfrm>
+        </p:spPr>
+        <p:txBody>
+          <a:bodyPr/>
+          <a:lstStyle/>
+          <a:p>
+            <a:pPr>
+              <a:buClr>
+                <a:srgbClr val="FF0000"/>
+              </a:buClr>
+              <a:buSzPct val="150000"/>
+              <a:buFont typeface="Wingdings" panose="05000000000000000000" pitchFamily="2" charset="2"/>
+              <a:buChar char="Ø"/>
+            </a:pPr>
+            <a:r>
+              <a:rPr lang="en-US" sz="2200" dirty="0"/>
+              <a:t>While not as common as other structural shapes, logarithmic curves have been used in the design of certain structures, such as:</a:t>
+            </a:r>
+          </a:p>
+          <a:p>
+            <a:pPr>
+              <a:buClr>
+                <a:srgbClr val="FF0000"/>
+              </a:buClr>
+              <a:buSzPct val="150000"/>
+              <a:buFont typeface="Wingdings" panose="05000000000000000000" pitchFamily="2" charset="2"/>
+              <a:buChar char="Ø"/>
+            </a:pPr>
+            <a:r>
+              <a:rPr lang="en-US" sz="2200" b="1" dirty="0"/>
+              <a:t>Chimneys:</a:t>
+            </a:r>
+            <a:r>
+              <a:rPr lang="en-US" sz="2200" dirty="0"/>
+              <a:t> The tapering shape of some chimneys can be approximated by a logarithmic curve, helping to distribute the weight of the brickwork and resist wind loads.</a:t>
+            </a:r>
+          </a:p>
+          <a:p>
+            <a:pPr>
+              <a:buClr>
+                <a:srgbClr val="FF0000"/>
+              </a:buClr>
+              <a:buSzPct val="150000"/>
+              <a:buFont typeface="Wingdings" panose="05000000000000000000" pitchFamily="2" charset="2"/>
+              <a:buChar char="Ø"/>
+            </a:pPr>
+            <a:r>
+              <a:rPr lang="en-US" sz="2200" b="1" dirty="0"/>
+              <a:t>Retaining Walls:</a:t>
+            </a:r>
+            <a:r>
+              <a:rPr lang="en-US" sz="2200" dirty="0"/>
+              <a:t> Logarithmic curves can be used to design retaining walls that can withstand the lateral pressure of soil.</a:t>
+            </a:r>
+          </a:p>
+          <a:p>
+            <a:pPr>
+              <a:buClr>
+                <a:srgbClr val="FF0000"/>
+              </a:buClr>
+              <a:buSzPct val="150000"/>
+              <a:buFont typeface="Wingdings" panose="05000000000000000000" pitchFamily="2" charset="2"/>
+              <a:buChar char="Ø"/>
+            </a:pPr>
+            <a:r>
+              <a:rPr lang="en-US" sz="2200" b="1" dirty="0"/>
+              <a:t>Specialized Structures:</a:t>
+            </a:r>
+            <a:r>
+              <a:rPr lang="en-US" sz="2200" dirty="0"/>
+              <a:t> In some cases, architects and engineers may employ logarithmic curves for aesthetic or functional reasons in unique structures.</a:t>
+            </a:r>
+          </a:p>
+          <a:p>
+            <a:endParaRPr lang="en-US" dirty="0"/>
+          </a:p>
+        </p:txBody>
+      </p:sp>
+    </p:spTree>
+    <p:extLst>
+      <p:ext uri="{BB962C8B-B14F-4D97-AF65-F5344CB8AC3E}">
+        <p14:creationId xmlns:p14="http://schemas.microsoft.com/office/powerpoint/2010/main" val="4005421418"/>
+      </p:ext>
+    </p:extLst>
+  </p:cSld>
+  <p:clrMapOvr>
+    <a:masterClrMapping/>
+  </p:clrMapOvr>
+</p:sld>
+</file>
+
+<file path=ppt/slides/slide9.xml><?xml version="1.0" encoding="utf-8"?>
+<p:sld xmlns:a="http://schemas.openxmlformats.org/drawingml/2006/main" xmlns:r="http://schemas.openxmlformats.org/officeDocument/2006/relationships" xmlns:p="http://schemas.openxmlformats.org/presentationml/2006/main">
+  <p:cSld>
+    <p:spTree>
+      <p:nvGrpSpPr>
+        <p:cNvPr id="1" name=""/>
+        <p:cNvGrpSpPr/>
+        <p:nvPr/>
+      </p:nvGrpSpPr>
+      <p:grpSpPr>
+        <a:xfrm>
+          <a:off x="0" y="0"/>
+          <a:ext cx="0" cy="0"/>
+          <a:chOff x="0" y="0"/>
+          <a:chExt cx="0" cy="0"/>
+        </a:xfrm>
+      </p:grpSpPr>
+      <p:sp>
+        <p:nvSpPr>
+          <p:cNvPr id="2" name="Title 1">
+            <a:extLst>
+              <a:ext uri="{FF2B5EF4-FFF2-40B4-BE49-F238E27FC236}">
+                <a16:creationId xmlns:a16="http://schemas.microsoft.com/office/drawing/2014/main" id="{B49161E7-CED6-DC02-E6C8-D4579791C0F3}"/>
+              </a:ext>
+            </a:extLst>
+          </p:cNvPr>
+          <p:cNvSpPr>
+            <a:spLocks noGrp="1"/>
+          </p:cNvSpPr>
+          <p:nvPr>
+            <p:ph type="title"/>
+          </p:nvPr>
+        </p:nvSpPr>
+        <p:spPr>
+          <a:xfrm>
+            <a:off x="2234323" y="126399"/>
+            <a:ext cx="8911687" cy="1280890"/>
+          </a:xfrm>
+        </p:spPr>
+        <p:txBody>
+          <a:bodyPr>
+            <a:normAutofit fontScale="90000"/>
+          </a:bodyPr>
+          <a:lstStyle/>
+          <a:p>
+            <a:pPr algn="ctr"/>
+            <a:r>
+              <a:rPr lang="en-US" b="1" dirty="0"/>
+              <a:t>Logarithmic curve: Real-world applications</a:t>
+            </a:r>
+            <a:br>
+              <a:rPr lang="en-US" dirty="0"/>
+            </a:br>
+            <a:br>
+              <a:rPr lang="en-US" dirty="0"/>
+            </a:br>
+            <a:endParaRPr lang="en-US" dirty="0"/>
+          </a:p>
+        </p:txBody>
+      </p:sp>
+      <p:pic>
+        <p:nvPicPr>
+          <p:cNvPr id="5" name="Content Placeholder 4">
+            <a:extLst>
+              <a:ext uri="{FF2B5EF4-FFF2-40B4-BE49-F238E27FC236}">
+                <a16:creationId xmlns:a16="http://schemas.microsoft.com/office/drawing/2014/main" id="{F5256DEF-170F-4B59-B832-19ABDF30105F}"/>
+              </a:ext>
+            </a:extLst>
+          </p:cNvPr>
+          <p:cNvPicPr>
+            <a:picLocks noGrp="1" noChangeAspect="1"/>
+          </p:cNvPicPr>
+          <p:nvPr>
+            <p:ph idx="1"/>
+          </p:nvPr>
+        </p:nvPicPr>
+        <p:blipFill>
+          <a:blip r:embed="rId2">
+            <a:extLst>
+              <a:ext uri="{28A0092B-C50C-407E-A947-70E740481C1C}">
+                <a14:useLocalDpi xmlns:a14="http://schemas.microsoft.com/office/drawing/2010/main" val="0"/>
+              </a:ext>
+            </a:extLst>
+          </a:blip>
+          <a:stretch>
+            <a:fillRect/>
+          </a:stretch>
+        </p:blipFill>
+        <p:spPr>
+          <a:xfrm>
+            <a:off x="3229337" y="952014"/>
+            <a:ext cx="6921660" cy="5779587"/>
+          </a:xfrm>
+        </p:spPr>
+      </p:pic>
+    </p:spTree>
+    <p:extLst>
+      <p:ext uri="{BB962C8B-B14F-4D97-AF65-F5344CB8AC3E}">
+        <p14:creationId xmlns:p14="http://schemas.microsoft.com/office/powerpoint/2010/main" val="1503573021"/>
       </p:ext>
     </p:extLst>
   </p:cSld>

--- a/Logarithmic curves.pptx
+++ b/Logarithmic curves.pptx
@@ -15,11 +15,15 @@
     <p:sldId id="260" r:id="rId9"/>
     <p:sldId id="261" r:id="rId10"/>
     <p:sldId id="269" r:id="rId11"/>
-    <p:sldId id="268" r:id="rId12"/>
+    <p:sldId id="274" r:id="rId12"/>
     <p:sldId id="270" r:id="rId13"/>
     <p:sldId id="271" r:id="rId14"/>
-    <p:sldId id="272" r:id="rId15"/>
-    <p:sldId id="262" r:id="rId16"/>
+    <p:sldId id="273" r:id="rId15"/>
+    <p:sldId id="276" r:id="rId16"/>
+    <p:sldId id="268" r:id="rId17"/>
+    <p:sldId id="275" r:id="rId18"/>
+    <p:sldId id="272" r:id="rId19"/>
+    <p:sldId id="262" r:id="rId20"/>
   </p:sldIdLst>
   <p:sldSz cx="12192000" cy="6858000"/>
   <p:notesSz cx="6858000" cy="9144000"/>
@@ -314,7 +318,7 @@
           <a:p>
             <a:fld id="{A3E34226-1F99-438D-AB1B-28CEDD8272D1}" type="datetimeFigureOut">
               <a:rPr lang="en-US" smtClean="0"/>
-              <a:t>12/21/2024</a:t>
+              <a:t>12/23/2024</a:t>
             </a:fld>
             <a:endParaRPr lang="en-US"/>
           </a:p>
@@ -652,7 +656,7 @@
           <a:p>
             <a:fld id="{A3E34226-1F99-438D-AB1B-28CEDD8272D1}" type="datetimeFigureOut">
               <a:rPr lang="en-US" smtClean="0"/>
-              <a:t>12/21/2024</a:t>
+              <a:t>12/23/2024</a:t>
             </a:fld>
             <a:endParaRPr lang="en-US"/>
           </a:p>
@@ -1053,7 +1057,7 @@
           <a:p>
             <a:fld id="{A3E34226-1F99-438D-AB1B-28CEDD8272D1}" type="datetimeFigureOut">
               <a:rPr lang="en-US" smtClean="0"/>
-              <a:t>12/21/2024</a:t>
+              <a:t>12/23/2024</a:t>
             </a:fld>
             <a:endParaRPr lang="en-US"/>
           </a:p>
@@ -1389,7 +1393,7 @@
           <a:p>
             <a:fld id="{A3E34226-1F99-438D-AB1B-28CEDD8272D1}" type="datetimeFigureOut">
               <a:rPr lang="en-US" smtClean="0"/>
-              <a:t>12/21/2024</a:t>
+              <a:t>12/23/2024</a:t>
             </a:fld>
             <a:endParaRPr lang="en-US"/>
           </a:p>
@@ -1709,7 +1713,7 @@
           <a:p>
             <a:fld id="{A3E34226-1F99-438D-AB1B-28CEDD8272D1}" type="datetimeFigureOut">
               <a:rPr lang="en-US" smtClean="0"/>
-              <a:t>12/21/2024</a:t>
+              <a:t>12/23/2024</a:t>
             </a:fld>
             <a:endParaRPr lang="en-US"/>
           </a:p>
@@ -2105,7 +2109,7 @@
           <a:p>
             <a:fld id="{A3E34226-1F99-438D-AB1B-28CEDD8272D1}" type="datetimeFigureOut">
               <a:rPr lang="en-US" smtClean="0"/>
-              <a:t>12/21/2024</a:t>
+              <a:t>12/23/2024</a:t>
             </a:fld>
             <a:endParaRPr lang="en-US"/>
           </a:p>
@@ -2362,7 +2366,7 @@
           <a:p>
             <a:fld id="{A3E34226-1F99-438D-AB1B-28CEDD8272D1}" type="datetimeFigureOut">
               <a:rPr lang="en-US" smtClean="0"/>
-              <a:t>12/21/2024</a:t>
+              <a:t>12/23/2024</a:t>
             </a:fld>
             <a:endParaRPr lang="en-US"/>
           </a:p>
@@ -2624,7 +2628,7 @@
           <a:p>
             <a:fld id="{A3E34226-1F99-438D-AB1B-28CEDD8272D1}" type="datetimeFigureOut">
               <a:rPr lang="en-US" smtClean="0"/>
-              <a:t>12/21/2024</a:t>
+              <a:t>12/23/2024</a:t>
             </a:fld>
             <a:endParaRPr lang="en-US"/>
           </a:p>
@@ -2886,7 +2890,7 @@
           <a:p>
             <a:fld id="{A3E34226-1F99-438D-AB1B-28CEDD8272D1}" type="datetimeFigureOut">
               <a:rPr lang="en-US" smtClean="0"/>
-              <a:t>12/21/2024</a:t>
+              <a:t>12/23/2024</a:t>
             </a:fld>
             <a:endParaRPr lang="en-US"/>
           </a:p>
@@ -3215,7 +3219,7 @@
           <a:p>
             <a:fld id="{A3E34226-1F99-438D-AB1B-28CEDD8272D1}" type="datetimeFigureOut">
               <a:rPr lang="en-US" smtClean="0"/>
-              <a:t>12/21/2024</a:t>
+              <a:t>12/23/2024</a:t>
             </a:fld>
             <a:endParaRPr lang="en-US"/>
           </a:p>
@@ -3538,7 +3542,7 @@
           <a:p>
             <a:fld id="{A3E34226-1F99-438D-AB1B-28CEDD8272D1}" type="datetimeFigureOut">
               <a:rPr lang="en-US" smtClean="0"/>
-              <a:t>12/21/2024</a:t>
+              <a:t>12/23/2024</a:t>
             </a:fld>
             <a:endParaRPr lang="en-US"/>
           </a:p>
@@ -3995,7 +3999,7 @@
           <a:p>
             <a:fld id="{A3E34226-1F99-438D-AB1B-28CEDD8272D1}" type="datetimeFigureOut">
               <a:rPr lang="en-US" smtClean="0"/>
-              <a:t>12/21/2024</a:t>
+              <a:t>12/23/2024</a:t>
             </a:fld>
             <a:endParaRPr lang="en-US"/>
           </a:p>
@@ -4200,7 +4204,7 @@
           <a:p>
             <a:fld id="{A3E34226-1F99-438D-AB1B-28CEDD8272D1}" type="datetimeFigureOut">
               <a:rPr lang="en-US" smtClean="0"/>
-              <a:t>12/21/2024</a:t>
+              <a:t>12/23/2024</a:t>
             </a:fld>
             <a:endParaRPr lang="en-US"/>
           </a:p>
@@ -4377,7 +4381,7 @@
           <a:p>
             <a:fld id="{A3E34226-1F99-438D-AB1B-28CEDD8272D1}" type="datetimeFigureOut">
               <a:rPr lang="en-US" smtClean="0"/>
-              <a:t>12/21/2024</a:t>
+              <a:t>12/23/2024</a:t>
             </a:fld>
             <a:endParaRPr lang="en-US"/>
           </a:p>
@@ -4710,7 +4714,7 @@
           <a:p>
             <a:fld id="{A3E34226-1F99-438D-AB1B-28CEDD8272D1}" type="datetimeFigureOut">
               <a:rPr lang="en-US" smtClean="0"/>
-              <a:t>12/21/2024</a:t>
+              <a:t>12/23/2024</a:t>
             </a:fld>
             <a:endParaRPr lang="en-US"/>
           </a:p>
@@ -5055,7 +5059,7 @@
           <a:p>
             <a:fld id="{A3E34226-1F99-438D-AB1B-28CEDD8272D1}" type="datetimeFigureOut">
               <a:rPr lang="en-US" smtClean="0"/>
-              <a:t>12/21/2024</a:t>
+              <a:t>12/23/2024</a:t>
             </a:fld>
             <a:endParaRPr lang="en-US"/>
           </a:p>
@@ -7190,7 +7194,7 @@
           <a:p>
             <a:fld id="{A3E34226-1F99-438D-AB1B-28CEDD8272D1}" type="datetimeFigureOut">
               <a:rPr lang="en-US" smtClean="0"/>
-              <a:t>12/21/2024</a:t>
+              <a:t>12/23/2024</a:t>
             </a:fld>
             <a:endParaRPr lang="en-US"/>
           </a:p>
@@ -7710,10 +7714,10 @@
       </p:grpSpPr>
       <p:pic>
         <p:nvPicPr>
-          <p:cNvPr id="5" name="Content Placeholder 4">
+          <p:cNvPr id="6" name="Content Placeholder 5">
             <a:extLst>
               <a:ext uri="{FF2B5EF4-FFF2-40B4-BE49-F238E27FC236}">
-                <a16:creationId xmlns:a16="http://schemas.microsoft.com/office/drawing/2014/main" id="{E1B33BD9-748D-AF78-4507-8700DC668697}"/>
+                <a16:creationId xmlns:a16="http://schemas.microsoft.com/office/drawing/2014/main" id="{7ACD134D-21CE-2BE3-2A35-EF7FFED3479B}"/>
               </a:ext>
             </a:extLst>
           </p:cNvPr>
@@ -7739,7 +7743,7 @@
         <p:spPr>
           <a:xfrm>
             <a:off x="0" y="-1"/>
-            <a:ext cx="12192000" cy="6864705"/>
+            <a:ext cx="12192000" cy="6858001"/>
           </a:xfrm>
         </p:spPr>
       </p:pic>
@@ -7947,46 +7951,12 @@
           <a:chExt cx="0" cy="0"/>
         </a:xfrm>
       </p:grpSpPr>
-      <p:sp>
-        <p:nvSpPr>
-          <p:cNvPr id="2" name="Title 1">
-            <a:extLst>
-              <a:ext uri="{FF2B5EF4-FFF2-40B4-BE49-F238E27FC236}">
-                <a16:creationId xmlns:a16="http://schemas.microsoft.com/office/drawing/2014/main" id="{12851F81-73C5-DB20-2369-2F3886CE3DE8}"/>
-              </a:ext>
-            </a:extLst>
-          </p:cNvPr>
-          <p:cNvSpPr>
-            <a:spLocks noGrp="1"/>
-          </p:cNvSpPr>
-          <p:nvPr>
-            <p:ph type="title"/>
-          </p:nvPr>
-        </p:nvSpPr>
-        <p:spPr>
-          <a:xfrm>
-            <a:off x="2178379" y="519938"/>
-            <a:ext cx="8911687" cy="1280890"/>
-          </a:xfrm>
-        </p:spPr>
-        <p:txBody>
-          <a:bodyPr/>
-          <a:lstStyle/>
-          <a:p>
-            <a:pPr algn="ctr"/>
-            <a:r>
-              <a:rPr lang="en-US" dirty="0"/>
-              <a:t>Logistic function</a:t>
-            </a:r>
-          </a:p>
-        </p:txBody>
-      </p:sp>
       <p:pic>
         <p:nvPicPr>
           <p:cNvPr id="5" name="Content Placeholder 4">
             <a:extLst>
               <a:ext uri="{FF2B5EF4-FFF2-40B4-BE49-F238E27FC236}">
-                <a16:creationId xmlns:a16="http://schemas.microsoft.com/office/drawing/2014/main" id="{B2D66397-A7EF-1443-AA64-912B62B64A34}"/>
+                <a16:creationId xmlns:a16="http://schemas.microsoft.com/office/drawing/2014/main" id="{5D625661-639B-4FC1-364A-76D4E4953EBD}"/>
               </a:ext>
             </a:extLst>
           </p:cNvPr>
@@ -8000,6 +7970,15 @@
         <p:blipFill>
           <a:blip r:embed="rId2">
             <a:extLst>
+              <a:ext uri="{BEBA8EAE-BF5A-486C-A8C5-ECC9F3942E4B}">
+                <a14:imgProps xmlns:a14="http://schemas.microsoft.com/office/drawing/2010/main">
+                  <a14:imgLayer r:embed="rId3">
+                    <a14:imgEffect>
+                      <a14:colorTemperature colorTemp="7200"/>
+                    </a14:imgEffect>
+                  </a14:imgLayer>
+                </a14:imgProps>
+              </a:ext>
               <a:ext uri="{28A0092B-C50C-407E-A947-70E740481C1C}">
                 <a14:useLocalDpi xmlns:a14="http://schemas.microsoft.com/office/drawing/2010/main" val="0"/>
               </a:ext>
@@ -8011,17 +7990,51 @@
         </p:blipFill>
         <p:spPr>
           <a:xfrm>
-            <a:off x="6096000" y="1160383"/>
-            <a:ext cx="6242611" cy="4166944"/>
+            <a:off x="1727002" y="1713053"/>
+            <a:ext cx="9511730" cy="3611301"/>
           </a:xfrm>
         </p:spPr>
       </p:pic>
       <p:sp>
         <p:nvSpPr>
-          <p:cNvPr id="6" name="TextBox 5">
+          <p:cNvPr id="6" name="Title 1">
             <a:extLst>
               <a:ext uri="{FF2B5EF4-FFF2-40B4-BE49-F238E27FC236}">
-                <a16:creationId xmlns:a16="http://schemas.microsoft.com/office/drawing/2014/main" id="{FB205757-4695-8E71-D372-89C360BB8998}"/>
+                <a16:creationId xmlns:a16="http://schemas.microsoft.com/office/drawing/2014/main" id="{E774998C-6D33-8A5B-C1B8-6EFCA5EA7AB9}"/>
+              </a:ext>
+            </a:extLst>
+          </p:cNvPr>
+          <p:cNvSpPr>
+            <a:spLocks noGrp="1"/>
+          </p:cNvSpPr>
+          <p:nvPr>
+            <p:ph type="title"/>
+          </p:nvPr>
+        </p:nvSpPr>
+        <p:spPr>
+          <a:xfrm>
+            <a:off x="1727002" y="528498"/>
+            <a:ext cx="8912225" cy="1281112"/>
+          </a:xfrm>
+        </p:spPr>
+        <p:txBody>
+          <a:bodyPr/>
+          <a:lstStyle/>
+          <a:p>
+            <a:pPr algn="ctr"/>
+            <a:r>
+              <a:rPr lang="en-US" dirty="0"/>
+              <a:t>Logistic function</a:t>
+            </a:r>
+          </a:p>
+        </p:txBody>
+      </p:sp>
+      <p:sp>
+        <p:nvSpPr>
+          <p:cNvPr id="7" name="TextBox 6">
+            <a:extLst>
+              <a:ext uri="{FF2B5EF4-FFF2-40B4-BE49-F238E27FC236}">
+                <a16:creationId xmlns:a16="http://schemas.microsoft.com/office/drawing/2014/main" id="{4D8DBE4A-F848-9CF8-B3EE-AFC3E3909EB4}"/>
               </a:ext>
             </a:extLst>
           </p:cNvPr>
@@ -8030,8 +8043,8 @@
         </p:nvSpPr>
         <p:spPr>
           <a:xfrm>
-            <a:off x="1415972" y="1530673"/>
-            <a:ext cx="4869082" cy="3046988"/>
+            <a:off x="1597306" y="5683171"/>
+            <a:ext cx="9421170" cy="646331"/>
           </a:xfrm>
           <a:prstGeom prst="rect">
             <a:avLst/>
@@ -8044,99 +8057,10 @@
           </a:bodyPr>
           <a:lstStyle/>
           <a:p>
-            <a:pPr marL="285750" indent="-285750">
-              <a:buClr>
-                <a:srgbClr val="FF0000"/>
-              </a:buClr>
-              <a:buFont typeface="Wingdings" panose="05000000000000000000" pitchFamily="2" charset="2"/>
-              <a:buChar char="Ø"/>
-            </a:pPr>
-            <a:r>
-              <a:rPr lang="en-US" sz="2000" b="0" i="0" dirty="0">
-                <a:solidFill>
-                  <a:srgbClr val="1F1F1F"/>
-                </a:solidFill>
-                <a:effectLst/>
-                <a:latin typeface="Corbel (Body)"/>
-              </a:rPr>
-              <a:t>T</a:t>
-            </a:r>
-            <a:r>
-              <a:rPr lang="en-US" sz="2400" b="0" i="0" dirty="0">
-                <a:solidFill>
-                  <a:srgbClr val="1F1F1F"/>
-                </a:solidFill>
-                <a:effectLst/>
-                <a:latin typeface="Corbel (Body)"/>
-              </a:rPr>
-              <a:t>he value of logistic function ranges </a:t>
-            </a:r>
-            <a:r>
-              <a:rPr lang="en-US" sz="2400" b="0" i="0" dirty="0">
-                <a:solidFill>
-                  <a:srgbClr val="040C28"/>
-                </a:solidFill>
-                <a:effectLst/>
-                <a:latin typeface="Corbel (Body)"/>
-              </a:rPr>
-              <a:t>between 0 and 1</a:t>
-            </a:r>
-            <a:r>
-              <a:rPr lang="en-US" sz="2400" b="0" i="0" dirty="0">
-                <a:solidFill>
-                  <a:srgbClr val="1F1F1F"/>
-                </a:solidFill>
-                <a:effectLst/>
-                <a:latin typeface="Corbel (Body)"/>
-              </a:rPr>
-              <a:t>. </a:t>
-            </a:r>
-          </a:p>
-          <a:p>
-            <a:pPr marL="285750" indent="-285750">
-              <a:buClr>
-                <a:srgbClr val="FF0000"/>
-              </a:buClr>
-              <a:buFont typeface="Wingdings" panose="05000000000000000000" pitchFamily="2" charset="2"/>
-              <a:buChar char="Ø"/>
-            </a:pPr>
-            <a:r>
-              <a:rPr lang="en-US" sz="2400" b="0" i="0" dirty="0">
-                <a:solidFill>
-                  <a:srgbClr val="040C28"/>
-                </a:solidFill>
-                <a:effectLst/>
-                <a:latin typeface="Corbel (Body)"/>
-              </a:rPr>
-              <a:t> It never reaches a maximum</a:t>
-            </a:r>
-            <a:r>
-              <a:rPr lang="en-US" sz="2400" dirty="0">
-                <a:solidFill>
-                  <a:srgbClr val="1F1F1F"/>
-                </a:solidFill>
-                <a:latin typeface="Corbel (Body)"/>
-              </a:rPr>
-              <a:t>.</a:t>
-            </a:r>
-          </a:p>
-          <a:p>
-            <a:pPr marL="285750" indent="-285750">
-              <a:buClr>
-                <a:srgbClr val="FF0000"/>
-              </a:buClr>
-              <a:buFont typeface="Wingdings" panose="05000000000000000000" pitchFamily="2" charset="2"/>
-              <a:buChar char="Ø"/>
-            </a:pPr>
-            <a:r>
-              <a:rPr lang="en-US" sz="2400" b="0" i="0" dirty="0">
-                <a:solidFill>
-                  <a:srgbClr val="1F1F1F"/>
-                </a:solidFill>
-                <a:effectLst/>
-                <a:latin typeface="Corbel (Body)"/>
-              </a:rPr>
-              <a:t>The logistic is nearly 0 when x is large negative, and is nearly 1 when x is large positive. In our applications, x is a linear combinations of predictors.</a:t>
+            <a:pPr algn="ctr"/>
+            <a:r>
+              <a:rPr lang="en-US" sz="3600" dirty="0"/>
+              <a:t>Note : Higher ‘k’ means steeper curve</a:t>
             </a:r>
           </a:p>
         </p:txBody>
@@ -8144,7 +8068,7 @@
     </p:spTree>
     <p:extLst>
       <p:ext uri="{BB962C8B-B14F-4D97-AF65-F5344CB8AC3E}">
-        <p14:creationId xmlns:p14="http://schemas.microsoft.com/office/powerpoint/2010/main" val="3660481478"/>
+        <p14:creationId xmlns:p14="http://schemas.microsoft.com/office/powerpoint/2010/main" val="3695029024"/>
       </p:ext>
     </p:extLst>
   </p:cSld>
@@ -8524,7 +8448,7 @@
           <p:cNvPr id="2" name="Title 1">
             <a:extLst>
               <a:ext uri="{FF2B5EF4-FFF2-40B4-BE49-F238E27FC236}">
-                <a16:creationId xmlns:a16="http://schemas.microsoft.com/office/drawing/2014/main" id="{FD7F4921-73B0-EA9A-FA6C-EE9E6F739230}"/>
+                <a16:creationId xmlns:a16="http://schemas.microsoft.com/office/drawing/2014/main" id="{8F9CEE92-2A47-EAC7-D9F4-50C3A2DF20D3}"/>
               </a:ext>
             </a:extLst>
           </p:cNvPr>
@@ -8537,7 +8461,7 @@
         </p:nvSpPr>
         <p:spPr>
           <a:xfrm>
-            <a:off x="1597306" y="716707"/>
+            <a:off x="1817422" y="698000"/>
             <a:ext cx="8911687" cy="1280890"/>
           </a:xfrm>
         </p:spPr>
@@ -8548,55 +8472,162 @@
             <a:pPr algn="ctr"/>
             <a:r>
               <a:rPr lang="en-US" dirty="0"/>
-              <a:t>Conclusion</a:t>
-            </a:r>
-          </a:p>
-        </p:txBody>
-      </p:sp>
-      <p:sp>
-        <p:nvSpPr>
-          <p:cNvPr id="3" name="Content Placeholder 2">
+              <a:t>Sigmoid Function</a:t>
+            </a:r>
+          </a:p>
+        </p:txBody>
+      </p:sp>
+      <p:pic>
+        <p:nvPicPr>
+          <p:cNvPr id="13" name="Content Placeholder 12">
             <a:extLst>
               <a:ext uri="{FF2B5EF4-FFF2-40B4-BE49-F238E27FC236}">
-                <a16:creationId xmlns:a16="http://schemas.microsoft.com/office/drawing/2014/main" id="{62F0BBEE-0013-94EF-5D63-1CA030E4B52B}"/>
+                <a16:creationId xmlns:a16="http://schemas.microsoft.com/office/drawing/2014/main" id="{1001120A-B2C8-3C03-1342-5A7C0B1B2472}"/>
               </a:ext>
             </a:extLst>
           </p:cNvPr>
-          <p:cNvSpPr>
-            <a:spLocks noGrp="1"/>
-          </p:cNvSpPr>
+          <p:cNvPicPr>
+            <a:picLocks noGrp="1" noChangeAspect="1"/>
+          </p:cNvPicPr>
           <p:nvPr>
             <p:ph idx="1"/>
           </p:nvPr>
-        </p:nvSpPr>
+        </p:nvPicPr>
+        <p:blipFill>
+          <a:blip r:embed="rId2">
+            <a:extLst>
+              <a:ext uri="{BEBA8EAE-BF5A-486C-A8C5-ECC9F3942E4B}">
+                <a14:imgProps xmlns:a14="http://schemas.microsoft.com/office/drawing/2010/main">
+                  <a14:imgLayer r:embed="rId3">
+                    <a14:imgEffect>
+                      <a14:colorTemperature colorTemp="7200"/>
+                    </a14:imgEffect>
+                  </a14:imgLayer>
+                </a14:imgProps>
+              </a:ext>
+              <a:ext uri="{28A0092B-C50C-407E-A947-70E740481C1C}">
+                <a14:useLocalDpi xmlns:a14="http://schemas.microsoft.com/office/drawing/2010/main" val="0"/>
+              </a:ext>
+            </a:extLst>
+          </a:blip>
+          <a:stretch>
+            <a:fillRect/>
+          </a:stretch>
+        </p:blipFill>
         <p:spPr>
           <a:xfrm>
-            <a:off x="1597306" y="2511706"/>
-            <a:ext cx="9907306" cy="3399516"/>
+            <a:off x="2832283" y="2070341"/>
+            <a:ext cx="7148756" cy="1224927"/>
           </a:xfrm>
         </p:spPr>
-        <p:txBody>
-          <a:bodyPr>
-            <a:normAutofit/>
+      </p:pic>
+      <p:sp>
+        <p:nvSpPr>
+          <p:cNvPr id="14" name="TextBox 13">
+            <a:extLst>
+              <a:ext uri="{FF2B5EF4-FFF2-40B4-BE49-F238E27FC236}">
+                <a16:creationId xmlns:a16="http://schemas.microsoft.com/office/drawing/2014/main" id="{596D4388-5311-E72C-209B-2A0B4301E488}"/>
+              </a:ext>
+            </a:extLst>
+          </p:cNvPr>
+          <p:cNvSpPr txBox="1"/>
+          <p:nvPr/>
+        </p:nvSpPr>
+        <p:spPr>
+          <a:xfrm>
+            <a:off x="2832283" y="3692969"/>
+            <a:ext cx="7573359" cy="2185214"/>
+          </a:xfrm>
+          <a:prstGeom prst="rect">
+            <a:avLst/>
+          </a:prstGeom>
+          <a:noFill/>
+        </p:spPr>
+        <p:txBody>
+          <a:bodyPr wrap="square" rtlCol="0">
+            <a:spAutoFit/>
           </a:bodyPr>
           <a:lstStyle/>
           <a:p>
-            <a:pPr algn="just"/>
-            <a:r>
-              <a:rPr lang="en-US" sz="2600" dirty="0">
+            <a:pPr>
+              <a:buClr>
+                <a:srgbClr val="FF0000"/>
+              </a:buClr>
+            </a:pPr>
+            <a:r>
+              <a:rPr lang="en-US" sz="2400" b="1" dirty="0">
                 <a:solidFill>
                   <a:srgbClr val="0070C0"/>
                 </a:solidFill>
               </a:rPr>
-              <a:t>Although a small portion of a logistic curve on the positive x-axis might resemble a logarithmic curve, they are fundamentally different functions with distinct characteristics and applications.</a:t>
-            </a:r>
+              <a:t>Special case of logistic function where:</a:t>
+            </a:r>
+          </a:p>
+          <a:p>
+            <a:pPr>
+              <a:buClr>
+                <a:srgbClr val="FF0000"/>
+              </a:buClr>
+            </a:pPr>
+            <a:endParaRPr lang="en-US" sz="2400" b="1" dirty="0">
+              <a:solidFill>
+                <a:srgbClr val="0070C0"/>
+              </a:solidFill>
+            </a:endParaRPr>
+          </a:p>
+          <a:p>
+            <a:pPr marL="285750" indent="-285750">
+              <a:buClr>
+                <a:srgbClr val="FF0000"/>
+              </a:buClr>
+              <a:buFont typeface="Wingdings" panose="05000000000000000000" pitchFamily="2" charset="2"/>
+              <a:buChar char="Ø"/>
+            </a:pPr>
+            <a:r>
+              <a:rPr lang="en-US" sz="2200" dirty="0"/>
+              <a:t>L = 1 (maximum value of the curve is 1)</a:t>
+            </a:r>
+          </a:p>
+          <a:p>
+            <a:pPr marL="285750" indent="-285750">
+              <a:buClr>
+                <a:srgbClr val="FF0000"/>
+              </a:buClr>
+              <a:buFont typeface="Wingdings" panose="05000000000000000000" pitchFamily="2" charset="2"/>
+              <a:buChar char="Ø"/>
+            </a:pPr>
+            <a:r>
+              <a:rPr lang="en-US" sz="2200" dirty="0"/>
+              <a:t>K = 1 (steepness is fixed)</a:t>
+            </a:r>
+          </a:p>
+          <a:p>
+            <a:pPr marL="285750" indent="-285750">
+              <a:buClr>
+                <a:srgbClr val="FF0000"/>
+              </a:buClr>
+              <a:buFont typeface="Wingdings" panose="05000000000000000000" pitchFamily="2" charset="2"/>
+              <a:buChar char="Ø"/>
+            </a:pPr>
+            <a:r>
+              <a:rPr lang="en-US" sz="2200" dirty="0"/>
+              <a:t>X0 ​= 0 (midpoint is at 0)</a:t>
+            </a:r>
+          </a:p>
+          <a:p>
+            <a:pPr>
+              <a:buClr>
+                <a:srgbClr val="FF0000"/>
+              </a:buClr>
+            </a:pPr>
+            <a:endParaRPr lang="en-US" sz="2200" dirty="0"/>
           </a:p>
         </p:txBody>
       </p:sp>
     </p:spTree>
     <p:extLst>
       <p:ext uri="{BB962C8B-B14F-4D97-AF65-F5344CB8AC3E}">
-        <p14:creationId xmlns:p14="http://schemas.microsoft.com/office/powerpoint/2010/main" val="3292002381"/>
+        <p14:creationId xmlns:p14="http://schemas.microsoft.com/office/powerpoint/2010/main" val="3010582064"/>
       </p:ext>
     </p:extLst>
   </p:cSld>
@@ -8628,6 +8659,561 @@
           <p:cNvPr id="2" name="Title 1">
             <a:extLst>
               <a:ext uri="{FF2B5EF4-FFF2-40B4-BE49-F238E27FC236}">
+                <a16:creationId xmlns:a16="http://schemas.microsoft.com/office/drawing/2014/main" id="{E785291B-CC26-AD15-C967-2BCB0EBC88DA}"/>
+              </a:ext>
+            </a:extLst>
+          </p:cNvPr>
+          <p:cNvSpPr>
+            <a:spLocks noGrp="1"/>
+          </p:cNvSpPr>
+          <p:nvPr>
+            <p:ph type="title"/>
+          </p:nvPr>
+        </p:nvSpPr>
+        <p:spPr>
+          <a:xfrm>
+            <a:off x="1817421" y="593202"/>
+            <a:ext cx="8911687" cy="1280890"/>
+          </a:xfrm>
+        </p:spPr>
+        <p:txBody>
+          <a:bodyPr/>
+          <a:lstStyle/>
+          <a:p>
+            <a:pPr algn="ctr"/>
+            <a:r>
+              <a:rPr lang="en-US" dirty="0"/>
+              <a:t>Limits of the sigmoid function</a:t>
+            </a:r>
+          </a:p>
+        </p:txBody>
+      </p:sp>
+      <p:pic>
+        <p:nvPicPr>
+          <p:cNvPr id="5" name="Content Placeholder 4">
+            <a:extLst>
+              <a:ext uri="{FF2B5EF4-FFF2-40B4-BE49-F238E27FC236}">
+                <a16:creationId xmlns:a16="http://schemas.microsoft.com/office/drawing/2014/main" id="{50446F31-9406-6A43-2D63-E6C10AF26620}"/>
+              </a:ext>
+            </a:extLst>
+          </p:cNvPr>
+          <p:cNvPicPr>
+            <a:picLocks noGrp="1" noChangeAspect="1"/>
+          </p:cNvPicPr>
+          <p:nvPr>
+            <p:ph idx="1"/>
+          </p:nvPr>
+        </p:nvPicPr>
+        <p:blipFill>
+          <a:blip r:embed="rId2">
+            <a:extLst>
+              <a:ext uri="{28A0092B-C50C-407E-A947-70E740481C1C}">
+                <a14:useLocalDpi xmlns:a14="http://schemas.microsoft.com/office/drawing/2010/main" val="0"/>
+              </a:ext>
+            </a:extLst>
+          </a:blip>
+          <a:stretch>
+            <a:fillRect/>
+          </a:stretch>
+        </p:blipFill>
+        <p:spPr>
+          <a:xfrm>
+            <a:off x="2953816" y="1858702"/>
+            <a:ext cx="7089871" cy="4406096"/>
+          </a:xfrm>
+        </p:spPr>
+      </p:pic>
+    </p:spTree>
+    <p:extLst>
+      <p:ext uri="{BB962C8B-B14F-4D97-AF65-F5344CB8AC3E}">
+        <p14:creationId xmlns:p14="http://schemas.microsoft.com/office/powerpoint/2010/main" val="3507552684"/>
+      </p:ext>
+    </p:extLst>
+  </p:cSld>
+  <p:clrMapOvr>
+    <a:masterClrMapping/>
+  </p:clrMapOvr>
+</p:sld>
+</file>
+
+<file path=ppt/slides/slide16.xml><?xml version="1.0" encoding="utf-8"?>
+<p:sld xmlns:a="http://schemas.openxmlformats.org/drawingml/2006/main" xmlns:r="http://schemas.openxmlformats.org/officeDocument/2006/relationships" xmlns:p="http://schemas.openxmlformats.org/presentationml/2006/main">
+  <p:cSld>
+    <p:spTree>
+      <p:nvGrpSpPr>
+        <p:cNvPr id="1" name=""/>
+        <p:cNvGrpSpPr/>
+        <p:nvPr/>
+      </p:nvGrpSpPr>
+      <p:grpSpPr>
+        <a:xfrm>
+          <a:off x="0" y="0"/>
+          <a:ext cx="0" cy="0"/>
+          <a:chOff x="0" y="0"/>
+          <a:chExt cx="0" cy="0"/>
+        </a:xfrm>
+      </p:grpSpPr>
+      <p:sp>
+        <p:nvSpPr>
+          <p:cNvPr id="2" name="Title 1">
+            <a:extLst>
+              <a:ext uri="{FF2B5EF4-FFF2-40B4-BE49-F238E27FC236}">
+                <a16:creationId xmlns:a16="http://schemas.microsoft.com/office/drawing/2014/main" id="{12851F81-73C5-DB20-2369-2F3886CE3DE8}"/>
+              </a:ext>
+            </a:extLst>
+          </p:cNvPr>
+          <p:cNvSpPr>
+            <a:spLocks noGrp="1"/>
+          </p:cNvSpPr>
+          <p:nvPr>
+            <p:ph type="title"/>
+          </p:nvPr>
+        </p:nvSpPr>
+        <p:spPr>
+          <a:xfrm>
+            <a:off x="2178379" y="519938"/>
+            <a:ext cx="8911687" cy="1280890"/>
+          </a:xfrm>
+        </p:spPr>
+        <p:txBody>
+          <a:bodyPr/>
+          <a:lstStyle/>
+          <a:p>
+            <a:pPr algn="ctr"/>
+            <a:r>
+              <a:rPr lang="en-US" dirty="0"/>
+              <a:t>Sigmoid function</a:t>
+            </a:r>
+          </a:p>
+        </p:txBody>
+      </p:sp>
+      <p:pic>
+        <p:nvPicPr>
+          <p:cNvPr id="5" name="Content Placeholder 4">
+            <a:extLst>
+              <a:ext uri="{FF2B5EF4-FFF2-40B4-BE49-F238E27FC236}">
+                <a16:creationId xmlns:a16="http://schemas.microsoft.com/office/drawing/2014/main" id="{B2D66397-A7EF-1443-AA64-912B62B64A34}"/>
+              </a:ext>
+            </a:extLst>
+          </p:cNvPr>
+          <p:cNvPicPr>
+            <a:picLocks noGrp="1" noChangeAspect="1"/>
+          </p:cNvPicPr>
+          <p:nvPr>
+            <p:ph idx="1"/>
+          </p:nvPr>
+        </p:nvPicPr>
+        <p:blipFill>
+          <a:blip r:embed="rId2">
+            <a:extLst>
+              <a:ext uri="{28A0092B-C50C-407E-A947-70E740481C1C}">
+                <a14:useLocalDpi xmlns:a14="http://schemas.microsoft.com/office/drawing/2010/main" val="0"/>
+              </a:ext>
+            </a:extLst>
+          </a:blip>
+          <a:stretch>
+            <a:fillRect/>
+          </a:stretch>
+        </p:blipFill>
+        <p:spPr>
+          <a:xfrm>
+            <a:off x="6096000" y="1160383"/>
+            <a:ext cx="6242611" cy="4166944"/>
+          </a:xfrm>
+        </p:spPr>
+      </p:pic>
+      <p:sp>
+        <p:nvSpPr>
+          <p:cNvPr id="6" name="TextBox 5">
+            <a:extLst>
+              <a:ext uri="{FF2B5EF4-FFF2-40B4-BE49-F238E27FC236}">
+                <a16:creationId xmlns:a16="http://schemas.microsoft.com/office/drawing/2014/main" id="{FB205757-4695-8E71-D372-89C360BB8998}"/>
+              </a:ext>
+            </a:extLst>
+          </p:cNvPr>
+          <p:cNvSpPr txBox="1"/>
+          <p:nvPr/>
+        </p:nvSpPr>
+        <p:spPr>
+          <a:xfrm>
+            <a:off x="1415972" y="1530673"/>
+            <a:ext cx="4869082" cy="3046988"/>
+          </a:xfrm>
+          <a:prstGeom prst="rect">
+            <a:avLst/>
+          </a:prstGeom>
+          <a:noFill/>
+        </p:spPr>
+        <p:txBody>
+          <a:bodyPr wrap="square" rtlCol="0">
+            <a:spAutoFit/>
+          </a:bodyPr>
+          <a:lstStyle/>
+          <a:p>
+            <a:pPr marL="285750" indent="-285750">
+              <a:buClr>
+                <a:srgbClr val="FF0000"/>
+              </a:buClr>
+              <a:buFont typeface="Wingdings" panose="05000000000000000000" pitchFamily="2" charset="2"/>
+              <a:buChar char="Ø"/>
+            </a:pPr>
+            <a:r>
+              <a:rPr lang="en-US" sz="2000" b="0" i="0" dirty="0">
+                <a:solidFill>
+                  <a:srgbClr val="1F1F1F"/>
+                </a:solidFill>
+                <a:effectLst/>
+                <a:latin typeface="Corbel (Body)"/>
+              </a:rPr>
+              <a:t>T</a:t>
+            </a:r>
+            <a:r>
+              <a:rPr lang="en-US" sz="2400" b="0" i="0" dirty="0">
+                <a:solidFill>
+                  <a:srgbClr val="1F1F1F"/>
+                </a:solidFill>
+                <a:effectLst/>
+                <a:latin typeface="Corbel (Body)"/>
+              </a:rPr>
+              <a:t>he value of sigmoid function ranges </a:t>
+            </a:r>
+            <a:r>
+              <a:rPr lang="en-US" sz="2400" b="0" i="0" dirty="0">
+                <a:solidFill>
+                  <a:srgbClr val="040C28"/>
+                </a:solidFill>
+                <a:effectLst/>
+                <a:latin typeface="Corbel (Body)"/>
+              </a:rPr>
+              <a:t>between 0 and </a:t>
+            </a:r>
+            <a:r>
+              <a:rPr lang="en-US" sz="2400" dirty="0">
+                <a:solidFill>
+                  <a:srgbClr val="040C28"/>
+                </a:solidFill>
+                <a:latin typeface="Corbel (Body)"/>
+              </a:rPr>
+              <a:t>1</a:t>
+            </a:r>
+            <a:r>
+              <a:rPr lang="en-US" sz="2400" b="0" i="0" dirty="0">
+                <a:solidFill>
+                  <a:srgbClr val="1F1F1F"/>
+                </a:solidFill>
+                <a:effectLst/>
+                <a:latin typeface="Corbel (Body)"/>
+              </a:rPr>
+              <a:t>. </a:t>
+            </a:r>
+          </a:p>
+          <a:p>
+            <a:pPr marL="285750" indent="-285750">
+              <a:buClr>
+                <a:srgbClr val="FF0000"/>
+              </a:buClr>
+              <a:buFont typeface="Wingdings" panose="05000000000000000000" pitchFamily="2" charset="2"/>
+              <a:buChar char="Ø"/>
+            </a:pPr>
+            <a:r>
+              <a:rPr lang="en-US" sz="2400" b="0" i="0" dirty="0">
+                <a:solidFill>
+                  <a:srgbClr val="040C28"/>
+                </a:solidFill>
+                <a:effectLst/>
+                <a:latin typeface="Corbel (Body)"/>
+              </a:rPr>
+              <a:t> It never reaches a maximum</a:t>
+            </a:r>
+            <a:r>
+              <a:rPr lang="en-US" sz="2400" dirty="0">
+                <a:solidFill>
+                  <a:srgbClr val="1F1F1F"/>
+                </a:solidFill>
+                <a:latin typeface="Corbel (Body)"/>
+              </a:rPr>
+              <a:t>.</a:t>
+            </a:r>
+          </a:p>
+          <a:p>
+            <a:pPr marL="285750" indent="-285750">
+              <a:buClr>
+                <a:srgbClr val="FF0000"/>
+              </a:buClr>
+              <a:buFont typeface="Wingdings" panose="05000000000000000000" pitchFamily="2" charset="2"/>
+              <a:buChar char="Ø"/>
+            </a:pPr>
+            <a:r>
+              <a:rPr lang="en-US" sz="2400" b="0" i="0" dirty="0">
+                <a:solidFill>
+                  <a:srgbClr val="1F1F1F"/>
+                </a:solidFill>
+                <a:effectLst/>
+                <a:latin typeface="Corbel (Body)"/>
+              </a:rPr>
+              <a:t>The sigmoid is nearly 0 when x is large negative, and is nearly 1 when x is large positive. In our applications, x is a linear combinations of predictors.</a:t>
+            </a:r>
+          </a:p>
+        </p:txBody>
+      </p:sp>
+    </p:spTree>
+    <p:extLst>
+      <p:ext uri="{BB962C8B-B14F-4D97-AF65-F5344CB8AC3E}">
+        <p14:creationId xmlns:p14="http://schemas.microsoft.com/office/powerpoint/2010/main" val="3660481478"/>
+      </p:ext>
+    </p:extLst>
+  </p:cSld>
+  <p:clrMapOvr>
+    <a:masterClrMapping/>
+  </p:clrMapOvr>
+</p:sld>
+</file>
+
+<file path=ppt/slides/slide17.xml><?xml version="1.0" encoding="utf-8"?>
+<p:sld xmlns:a="http://schemas.openxmlformats.org/drawingml/2006/main" xmlns:r="http://schemas.openxmlformats.org/officeDocument/2006/relationships" xmlns:p="http://schemas.openxmlformats.org/presentationml/2006/main">
+  <p:cSld>
+    <p:spTree>
+      <p:nvGrpSpPr>
+        <p:cNvPr id="1" name=""/>
+        <p:cNvGrpSpPr/>
+        <p:nvPr/>
+      </p:nvGrpSpPr>
+      <p:grpSpPr>
+        <a:xfrm>
+          <a:off x="0" y="0"/>
+          <a:ext cx="0" cy="0"/>
+          <a:chOff x="0" y="0"/>
+          <a:chExt cx="0" cy="0"/>
+        </a:xfrm>
+      </p:grpSpPr>
+      <p:sp>
+        <p:nvSpPr>
+          <p:cNvPr id="2" name="Title 1">
+            <a:extLst>
+              <a:ext uri="{FF2B5EF4-FFF2-40B4-BE49-F238E27FC236}">
+                <a16:creationId xmlns:a16="http://schemas.microsoft.com/office/drawing/2014/main" id="{A2E0BF5F-B904-F004-A66A-1729309A5C3A}"/>
+              </a:ext>
+            </a:extLst>
+          </p:cNvPr>
+          <p:cNvSpPr>
+            <a:spLocks noGrp="1"/>
+          </p:cNvSpPr>
+          <p:nvPr>
+            <p:ph type="title"/>
+          </p:nvPr>
+        </p:nvSpPr>
+        <p:spPr>
+          <a:xfrm>
+            <a:off x="1956122" y="624110"/>
+            <a:ext cx="9548490" cy="1280890"/>
+          </a:xfrm>
+        </p:spPr>
+        <p:txBody>
+          <a:bodyPr/>
+          <a:lstStyle/>
+          <a:p>
+            <a:pPr algn="ctr"/>
+            <a:r>
+              <a:rPr lang="en-US" dirty="0"/>
+              <a:t>Logistic function Vs Sigmoid Function</a:t>
+            </a:r>
+          </a:p>
+        </p:txBody>
+      </p:sp>
+      <p:pic>
+        <p:nvPicPr>
+          <p:cNvPr id="5" name="Content Placeholder 4">
+            <a:extLst>
+              <a:ext uri="{FF2B5EF4-FFF2-40B4-BE49-F238E27FC236}">
+                <a16:creationId xmlns:a16="http://schemas.microsoft.com/office/drawing/2014/main" id="{CEA15BB9-0119-9280-3893-A515FF243A8F}"/>
+              </a:ext>
+            </a:extLst>
+          </p:cNvPr>
+          <p:cNvPicPr>
+            <a:picLocks noGrp="1" noChangeAspect="1"/>
+          </p:cNvPicPr>
+          <p:nvPr>
+            <p:ph idx="1"/>
+          </p:nvPr>
+        </p:nvPicPr>
+        <p:blipFill>
+          <a:blip r:embed="rId2">
+            <a:extLst>
+              <a:ext uri="{BEBA8EAE-BF5A-486C-A8C5-ECC9F3942E4B}">
+                <a14:imgProps xmlns:a14="http://schemas.microsoft.com/office/drawing/2010/main">
+                  <a14:imgLayer r:embed="rId3">
+                    <a14:imgEffect>
+                      <a14:colorTemperature colorTemp="7200"/>
+                    </a14:imgEffect>
+                  </a14:imgLayer>
+                </a14:imgProps>
+              </a:ext>
+              <a:ext uri="{28A0092B-C50C-407E-A947-70E740481C1C}">
+                <a14:useLocalDpi xmlns:a14="http://schemas.microsoft.com/office/drawing/2010/main" val="0"/>
+              </a:ext>
+            </a:extLst>
+          </a:blip>
+          <a:stretch>
+            <a:fillRect/>
+          </a:stretch>
+        </p:blipFill>
+        <p:spPr>
+          <a:xfrm>
+            <a:off x="1180618" y="1846163"/>
+            <a:ext cx="10500542" cy="4179685"/>
+          </a:xfrm>
+        </p:spPr>
+      </p:pic>
+    </p:spTree>
+    <p:extLst>
+      <p:ext uri="{BB962C8B-B14F-4D97-AF65-F5344CB8AC3E}">
+        <p14:creationId xmlns:p14="http://schemas.microsoft.com/office/powerpoint/2010/main" val="3726422963"/>
+      </p:ext>
+    </p:extLst>
+  </p:cSld>
+  <p:clrMapOvr>
+    <a:masterClrMapping/>
+  </p:clrMapOvr>
+</p:sld>
+</file>
+
+<file path=ppt/slides/slide18.xml><?xml version="1.0" encoding="utf-8"?>
+<p:sld xmlns:a="http://schemas.openxmlformats.org/drawingml/2006/main" xmlns:r="http://schemas.openxmlformats.org/officeDocument/2006/relationships" xmlns:p="http://schemas.openxmlformats.org/presentationml/2006/main">
+  <p:cSld>
+    <p:spTree>
+      <p:nvGrpSpPr>
+        <p:cNvPr id="1" name=""/>
+        <p:cNvGrpSpPr/>
+        <p:nvPr/>
+      </p:nvGrpSpPr>
+      <p:grpSpPr>
+        <a:xfrm>
+          <a:off x="0" y="0"/>
+          <a:ext cx="0" cy="0"/>
+          <a:chOff x="0" y="0"/>
+          <a:chExt cx="0" cy="0"/>
+        </a:xfrm>
+      </p:grpSpPr>
+      <p:sp>
+        <p:nvSpPr>
+          <p:cNvPr id="2" name="Title 1">
+            <a:extLst>
+              <a:ext uri="{FF2B5EF4-FFF2-40B4-BE49-F238E27FC236}">
+                <a16:creationId xmlns:a16="http://schemas.microsoft.com/office/drawing/2014/main" id="{FD7F4921-73B0-EA9A-FA6C-EE9E6F739230}"/>
+              </a:ext>
+            </a:extLst>
+          </p:cNvPr>
+          <p:cNvSpPr>
+            <a:spLocks noGrp="1"/>
+          </p:cNvSpPr>
+          <p:nvPr>
+            <p:ph type="title"/>
+          </p:nvPr>
+        </p:nvSpPr>
+        <p:spPr>
+          <a:xfrm>
+            <a:off x="1597306" y="716707"/>
+            <a:ext cx="8911687" cy="1280890"/>
+          </a:xfrm>
+        </p:spPr>
+        <p:txBody>
+          <a:bodyPr/>
+          <a:lstStyle/>
+          <a:p>
+            <a:pPr algn="ctr"/>
+            <a:r>
+              <a:rPr lang="en-US" dirty="0"/>
+              <a:t>Conclusion</a:t>
+            </a:r>
+          </a:p>
+        </p:txBody>
+      </p:sp>
+      <p:sp>
+        <p:nvSpPr>
+          <p:cNvPr id="3" name="Content Placeholder 2">
+            <a:extLst>
+              <a:ext uri="{FF2B5EF4-FFF2-40B4-BE49-F238E27FC236}">
+                <a16:creationId xmlns:a16="http://schemas.microsoft.com/office/drawing/2014/main" id="{62F0BBEE-0013-94EF-5D63-1CA030E4B52B}"/>
+              </a:ext>
+            </a:extLst>
+          </p:cNvPr>
+          <p:cNvSpPr>
+            <a:spLocks noGrp="1"/>
+          </p:cNvSpPr>
+          <p:nvPr>
+            <p:ph idx="1"/>
+          </p:nvPr>
+        </p:nvSpPr>
+        <p:spPr>
+          <a:xfrm>
+            <a:off x="1597306" y="2511706"/>
+            <a:ext cx="9907306" cy="3399516"/>
+          </a:xfrm>
+        </p:spPr>
+        <p:txBody>
+          <a:bodyPr>
+            <a:normAutofit/>
+          </a:bodyPr>
+          <a:lstStyle/>
+          <a:p>
+            <a:pPr algn="just"/>
+            <a:r>
+              <a:rPr lang="en-US" sz="2600" dirty="0">
+                <a:solidFill>
+                  <a:srgbClr val="0070C0"/>
+                </a:solidFill>
+              </a:rPr>
+              <a:t>Although a small portion of a logistic curve on the positive x-axis might resemble a logarithmic curve, they are fundamentally different functions with distinct characteristics and applications.</a:t>
+            </a:r>
+          </a:p>
+          <a:p>
+            <a:pPr algn="just"/>
+            <a:r>
+              <a:rPr lang="en-US" sz="2600" dirty="0">
+                <a:solidFill>
+                  <a:srgbClr val="0070C0"/>
+                </a:solidFill>
+              </a:rPr>
+              <a:t> Sigmoid function is a special case of logistic function.</a:t>
+            </a:r>
+          </a:p>
+        </p:txBody>
+      </p:sp>
+    </p:spTree>
+    <p:extLst>
+      <p:ext uri="{BB962C8B-B14F-4D97-AF65-F5344CB8AC3E}">
+        <p14:creationId xmlns:p14="http://schemas.microsoft.com/office/powerpoint/2010/main" val="3292002381"/>
+      </p:ext>
+    </p:extLst>
+  </p:cSld>
+  <p:clrMapOvr>
+    <a:masterClrMapping/>
+  </p:clrMapOvr>
+</p:sld>
+</file>
+
+<file path=ppt/slides/slide19.xml><?xml version="1.0" encoding="utf-8"?>
+<p:sld xmlns:a="http://schemas.openxmlformats.org/drawingml/2006/main" xmlns:r="http://schemas.openxmlformats.org/officeDocument/2006/relationships" xmlns:p="http://schemas.openxmlformats.org/presentationml/2006/main">
+  <p:cSld>
+    <p:spTree>
+      <p:nvGrpSpPr>
+        <p:cNvPr id="1" name=""/>
+        <p:cNvGrpSpPr/>
+        <p:nvPr/>
+      </p:nvGrpSpPr>
+      <p:grpSpPr>
+        <a:xfrm>
+          <a:off x="0" y="0"/>
+          <a:ext cx="0" cy="0"/>
+          <a:chOff x="0" y="0"/>
+          <a:chExt cx="0" cy="0"/>
+        </a:xfrm>
+      </p:grpSpPr>
+      <p:sp>
+        <p:nvSpPr>
+          <p:cNvPr id="2" name="Title 1">
+            <a:extLst>
+              <a:ext uri="{FF2B5EF4-FFF2-40B4-BE49-F238E27FC236}">
                 <a16:creationId xmlns:a16="http://schemas.microsoft.com/office/drawing/2014/main" id="{F59B05C5-2BFF-E3DE-AD62-EA42C830747E}"/>
               </a:ext>
             </a:extLst>
@@ -8641,7 +9227,7 @@
         </p:nvSpPr>
         <p:spPr>
           <a:xfrm>
-            <a:off x="1713053" y="624110"/>
+            <a:off x="983848" y="577812"/>
             <a:ext cx="9791559" cy="1280890"/>
           </a:xfrm>
         </p:spPr>
